--- a/docs/resources/resource.pptx
+++ b/docs/resources/resource.pptx
@@ -217,7 +217,7 @@
           <a:p>
             <a:fld id="{8B012330-251B-0F46-9B52-627E8AA768DF}" type="datetimeFigureOut">
               <a:rPr kumimoji="1" lang="ko-KR" altLang="en-US" smtClean="0"/>
-              <a:t>2017. 7. 8.</a:t>
+              <a:t>2017. 9. 12.</a:t>
             </a:fld>
             <a:endParaRPr kumimoji="1" lang="ko-KR" altLang="en-US"/>
           </a:p>
@@ -616,7 +616,7 @@
           <a:p>
             <a:fld id="{E8CC6AD3-0E4D-43A1-8C4E-D928CA009E8D}" type="datetimeFigureOut">
               <a:rPr lang="ko-KR" altLang="en-US" smtClean="0"/>
-              <a:t>2017. 7. 8.</a:t>
+              <a:t>2017. 9. 12.</a:t>
             </a:fld>
             <a:endParaRPr lang="ko-KR" altLang="en-US"/>
           </a:p>
@@ -786,7 +786,7 @@
           <a:p>
             <a:fld id="{E8CC6AD3-0E4D-43A1-8C4E-D928CA009E8D}" type="datetimeFigureOut">
               <a:rPr lang="ko-KR" altLang="en-US" smtClean="0"/>
-              <a:t>2017. 7. 8.</a:t>
+              <a:t>2017. 9. 12.</a:t>
             </a:fld>
             <a:endParaRPr lang="ko-KR" altLang="en-US"/>
           </a:p>
@@ -966,7 +966,7 @@
           <a:p>
             <a:fld id="{E8CC6AD3-0E4D-43A1-8C4E-D928CA009E8D}" type="datetimeFigureOut">
               <a:rPr lang="ko-KR" altLang="en-US" smtClean="0"/>
-              <a:t>2017. 7. 8.</a:t>
+              <a:t>2017. 9. 12.</a:t>
             </a:fld>
             <a:endParaRPr lang="ko-KR" altLang="en-US"/>
           </a:p>
@@ -1136,7 +1136,7 @@
           <a:p>
             <a:fld id="{E8CC6AD3-0E4D-43A1-8C4E-D928CA009E8D}" type="datetimeFigureOut">
               <a:rPr lang="ko-KR" altLang="en-US" smtClean="0"/>
-              <a:t>2017. 7. 8.</a:t>
+              <a:t>2017. 9. 12.</a:t>
             </a:fld>
             <a:endParaRPr lang="ko-KR" altLang="en-US"/>
           </a:p>
@@ -1382,7 +1382,7 @@
           <a:p>
             <a:fld id="{E8CC6AD3-0E4D-43A1-8C4E-D928CA009E8D}" type="datetimeFigureOut">
               <a:rPr lang="ko-KR" altLang="en-US" smtClean="0"/>
-              <a:t>2017. 7. 8.</a:t>
+              <a:t>2017. 9. 12.</a:t>
             </a:fld>
             <a:endParaRPr lang="ko-KR" altLang="en-US"/>
           </a:p>
@@ -1614,7 +1614,7 @@
           <a:p>
             <a:fld id="{E8CC6AD3-0E4D-43A1-8C4E-D928CA009E8D}" type="datetimeFigureOut">
               <a:rPr lang="ko-KR" altLang="en-US" smtClean="0"/>
-              <a:t>2017. 7. 8.</a:t>
+              <a:t>2017. 9. 12.</a:t>
             </a:fld>
             <a:endParaRPr lang="ko-KR" altLang="en-US"/>
           </a:p>
@@ -1981,7 +1981,7 @@
           <a:p>
             <a:fld id="{E8CC6AD3-0E4D-43A1-8C4E-D928CA009E8D}" type="datetimeFigureOut">
               <a:rPr lang="ko-KR" altLang="en-US" smtClean="0"/>
-              <a:t>2017. 7. 8.</a:t>
+              <a:t>2017. 9. 12.</a:t>
             </a:fld>
             <a:endParaRPr lang="ko-KR" altLang="en-US"/>
           </a:p>
@@ -2099,7 +2099,7 @@
           <a:p>
             <a:fld id="{E8CC6AD3-0E4D-43A1-8C4E-D928CA009E8D}" type="datetimeFigureOut">
               <a:rPr lang="ko-KR" altLang="en-US" smtClean="0"/>
-              <a:t>2017. 7. 8.</a:t>
+              <a:t>2017. 9. 12.</a:t>
             </a:fld>
             <a:endParaRPr lang="ko-KR" altLang="en-US"/>
           </a:p>
@@ -2194,7 +2194,7 @@
           <a:p>
             <a:fld id="{E8CC6AD3-0E4D-43A1-8C4E-D928CA009E8D}" type="datetimeFigureOut">
               <a:rPr lang="ko-KR" altLang="en-US" smtClean="0"/>
-              <a:t>2017. 7. 8.</a:t>
+              <a:t>2017. 9. 12.</a:t>
             </a:fld>
             <a:endParaRPr lang="ko-KR" altLang="en-US"/>
           </a:p>
@@ -2471,7 +2471,7 @@
           <a:p>
             <a:fld id="{E8CC6AD3-0E4D-43A1-8C4E-D928CA009E8D}" type="datetimeFigureOut">
               <a:rPr lang="ko-KR" altLang="en-US" smtClean="0"/>
-              <a:t>2017. 7. 8.</a:t>
+              <a:t>2017. 9. 12.</a:t>
             </a:fld>
             <a:endParaRPr lang="ko-KR" altLang="en-US"/>
           </a:p>
@@ -2724,7 +2724,7 @@
           <a:p>
             <a:fld id="{E8CC6AD3-0E4D-43A1-8C4E-D928CA009E8D}" type="datetimeFigureOut">
               <a:rPr lang="ko-KR" altLang="en-US" smtClean="0"/>
-              <a:t>2017. 7. 8.</a:t>
+              <a:t>2017. 9. 12.</a:t>
             </a:fld>
             <a:endParaRPr lang="ko-KR" altLang="en-US"/>
           </a:p>
@@ -2937,7 +2937,7 @@
           <a:p>
             <a:fld id="{E8CC6AD3-0E4D-43A1-8C4E-D928CA009E8D}" type="datetimeFigureOut">
               <a:rPr lang="ko-KR" altLang="en-US" smtClean="0"/>
-              <a:t>2017. 7. 8.</a:t>
+              <a:t>2017. 9. 12.</a:t>
             </a:fld>
             <a:endParaRPr lang="ko-KR" altLang="en-US"/>
           </a:p>
@@ -4327,7 +4327,7 @@
         </p:nvSpPr>
         <p:spPr>
           <a:xfrm>
-            <a:off x="6883112" y="757050"/>
+            <a:off x="8009819" y="472146"/>
             <a:ext cx="1545367" cy="721683"/>
           </a:xfrm>
           <a:prstGeom prst="rect">
@@ -4371,7 +4371,7 @@
         </p:nvSpPr>
         <p:spPr>
           <a:xfrm>
-            <a:off x="449215" y="908775"/>
+            <a:off x="405879" y="319436"/>
             <a:ext cx="1316588" cy="1141043"/>
           </a:xfrm>
           <a:prstGeom prst="ellipse">
@@ -4418,8 +4418,8 @@
         </p:nvCxnSpPr>
         <p:spPr>
           <a:xfrm>
-            <a:off x="1107509" y="4490293"/>
-            <a:ext cx="539294" cy="1060841"/>
+            <a:off x="911450" y="5260472"/>
+            <a:ext cx="735353" cy="290662"/>
           </a:xfrm>
           <a:prstGeom prst="straightConnector1">
             <a:avLst/>
@@ -4448,15 +4448,15 @@
         <p:nvCxnSpPr>
           <p:cNvPr id="59" name="직선 화살표 연결선 58"/>
           <p:cNvCxnSpPr>
-            <a:stCxn id="37" idx="7"/>
+            <a:stCxn id="37" idx="6"/>
             <a:endCxn id="60" idx="2"/>
           </p:cNvCxnSpPr>
           <p:nvPr/>
         </p:nvCxnSpPr>
         <p:spPr>
           <a:xfrm flipV="1">
-            <a:off x="1572993" y="708173"/>
-            <a:ext cx="711607" cy="367704"/>
+            <a:off x="1722467" y="708173"/>
+            <a:ext cx="562133" cy="181785"/>
           </a:xfrm>
           <a:prstGeom prst="straightConnector1">
             <a:avLst/>
@@ -4533,9 +4533,9 @@
           <p:nvPr/>
         </p:nvCxnSpPr>
         <p:spPr>
-          <a:xfrm>
-            <a:off x="3245433" y="1061051"/>
-            <a:ext cx="1198469" cy="763177"/>
+          <a:xfrm flipH="1">
+            <a:off x="1932716" y="1061051"/>
+            <a:ext cx="1312717" cy="877524"/>
           </a:xfrm>
           <a:prstGeom prst="straightConnector1">
             <a:avLst/>
@@ -4564,14 +4564,15 @@
         <p:nvCxnSpPr>
           <p:cNvPr id="88" name="직선 화살표 연결선 87"/>
           <p:cNvCxnSpPr>
+            <a:stCxn id="58" idx="6"/>
             <a:endCxn id="12" idx="1"/>
           </p:cNvCxnSpPr>
           <p:nvPr/>
         </p:nvCxnSpPr>
         <p:spPr>
           <a:xfrm flipV="1">
-            <a:off x="5404735" y="1117892"/>
-            <a:ext cx="1478377" cy="989189"/>
+            <a:off x="6556280" y="832988"/>
+            <a:ext cx="1453539" cy="353020"/>
           </a:xfrm>
           <a:prstGeom prst="straightConnector1">
             <a:avLst/>
@@ -4603,8 +4604,8 @@
           <p:nvPr/>
         </p:nvSpPr>
         <p:spPr>
-          <a:xfrm rot="19537184">
-            <a:off x="5362526" y="1243495"/>
+          <a:xfrm rot="20928620">
+            <a:off x="6671907" y="557822"/>
             <a:ext cx="1162498" cy="369332"/>
           </a:xfrm>
           <a:prstGeom prst="rect">
@@ -4679,8 +4680,8 @@
         </p:nvCxnSpPr>
         <p:spPr>
           <a:xfrm>
-            <a:off x="8428479" y="1117892"/>
-            <a:ext cx="2064335" cy="660805"/>
+            <a:off x="9555186" y="832988"/>
+            <a:ext cx="937628" cy="945709"/>
           </a:xfrm>
           <a:prstGeom prst="straightConnector1">
             <a:avLst/>
@@ -4710,14 +4711,14 @@
           <p:cNvPr id="96" name="직선 화살표 연결선 95"/>
           <p:cNvCxnSpPr>
             <a:stCxn id="90" idx="3"/>
-            <a:endCxn id="92" idx="2"/>
+            <a:endCxn id="92" idx="4"/>
           </p:cNvCxnSpPr>
           <p:nvPr/>
         </p:nvCxnSpPr>
         <p:spPr>
           <a:xfrm flipV="1">
-            <a:off x="8633582" y="2089891"/>
-            <a:ext cx="1622300" cy="254603"/>
+            <a:off x="8773408" y="2529985"/>
+            <a:ext cx="2291410" cy="652388"/>
           </a:xfrm>
           <a:prstGeom prst="straightConnector1">
             <a:avLst/>
@@ -4753,8 +4754,8 @@
         </p:nvCxnSpPr>
         <p:spPr>
           <a:xfrm flipV="1">
-            <a:off x="4443902" y="2344494"/>
-            <a:ext cx="2644313" cy="1252906"/>
+            <a:off x="4443902" y="3182373"/>
+            <a:ext cx="2784139" cy="415027"/>
           </a:xfrm>
           <a:prstGeom prst="straightConnector1">
             <a:avLst/>
@@ -4786,8 +4787,8 @@
           <p:nvPr/>
         </p:nvSpPr>
         <p:spPr>
-          <a:xfrm rot="2002865">
-            <a:off x="3590772" y="1176438"/>
+          <a:xfrm>
+            <a:off x="2089577" y="1265122"/>
             <a:ext cx="1083695" cy="369332"/>
           </a:xfrm>
           <a:prstGeom prst="rect">
@@ -4817,7 +4818,7 @@
         </p:nvSpPr>
         <p:spPr>
           <a:xfrm>
-            <a:off x="3483069" y="1824228"/>
+            <a:off x="971883" y="1938575"/>
             <a:ext cx="1921666" cy="705757"/>
           </a:xfrm>
           <a:prstGeom prst="ellipse">
@@ -4859,7 +4860,7 @@
         </p:nvSpPr>
         <p:spPr>
           <a:xfrm>
-            <a:off x="2844593" y="2647768"/>
+            <a:off x="1857527" y="2814903"/>
             <a:ext cx="1083695" cy="369332"/>
           </a:xfrm>
           <a:prstGeom prst="rect">
@@ -4933,9 +4934,9 @@
           <p:nvPr/>
         </p:nvCxnSpPr>
         <p:spPr>
-          <a:xfrm flipH="1">
-            <a:off x="3483069" y="2529985"/>
-            <a:ext cx="960833" cy="714536"/>
+          <a:xfrm>
+            <a:off x="1932716" y="2644332"/>
+            <a:ext cx="1550353" cy="600189"/>
           </a:xfrm>
           <a:prstGeom prst="straightConnector1">
             <a:avLst/>
@@ -5006,15 +5007,14 @@
         <p:nvCxnSpPr>
           <p:cNvPr id="71" name="직선 화살표 연결선 70"/>
           <p:cNvCxnSpPr>
-            <a:stCxn id="70" idx="0"/>
-            <a:endCxn id="75" idx="3"/>
+            <a:endCxn id="78" idx="2"/>
           </p:cNvCxnSpPr>
           <p:nvPr/>
         </p:nvCxnSpPr>
         <p:spPr>
-          <a:xfrm flipV="1">
-            <a:off x="2607636" y="4924509"/>
-            <a:ext cx="1247642" cy="273746"/>
+          <a:xfrm>
+            <a:off x="3568469" y="5679656"/>
+            <a:ext cx="1140725" cy="441160"/>
           </a:xfrm>
           <a:prstGeom prst="straightConnector1">
             <a:avLst/>
@@ -5046,8 +5046,8 @@
           <p:nvPr/>
         </p:nvSpPr>
         <p:spPr>
-          <a:xfrm rot="20932406">
-            <a:off x="2399910" y="4682556"/>
+          <a:xfrm rot="1377352">
+            <a:off x="3657992" y="5523486"/>
             <a:ext cx="1083695" cy="369332"/>
           </a:xfrm>
           <a:prstGeom prst="rect">
@@ -5077,7 +5077,7 @@
         </p:nvSpPr>
         <p:spPr>
           <a:xfrm>
-            <a:off x="3573857" y="4322108"/>
+            <a:off x="4363551" y="4383263"/>
             <a:ext cx="1921666" cy="705757"/>
           </a:xfrm>
           <a:prstGeom prst="ellipse">
@@ -5118,8 +5118,8 @@
           <p:nvPr/>
         </p:nvSpPr>
         <p:spPr>
-          <a:xfrm rot="2074858">
-            <a:off x="4877893" y="5123694"/>
+          <a:xfrm rot="2464596">
+            <a:off x="3231724" y="4190308"/>
             <a:ext cx="1083695" cy="369332"/>
           </a:xfrm>
           <a:prstGeom prst="rect">
@@ -5186,13 +5186,16 @@
       <p:cxnSp>
         <p:nvCxnSpPr>
           <p:cNvPr id="79" name="직선 화살표 연결선 78"/>
-          <p:cNvCxnSpPr/>
+          <p:cNvCxnSpPr>
+            <a:stCxn id="56" idx="4"/>
+            <a:endCxn id="75" idx="2"/>
+          </p:cNvCxnSpPr>
           <p:nvPr/>
         </p:nvCxnSpPr>
         <p:spPr>
           <a:xfrm>
-            <a:off x="4534690" y="5027865"/>
-            <a:ext cx="1135337" cy="740072"/>
+            <a:off x="3483069" y="3950278"/>
+            <a:ext cx="880482" cy="785864"/>
           </a:xfrm>
           <a:prstGeom prst="straightConnector1">
             <a:avLst/>
@@ -5225,7 +5228,7 @@
         </p:nvSpPr>
         <p:spPr>
           <a:xfrm>
-            <a:off x="449215" y="3349250"/>
+            <a:off x="253156" y="4119429"/>
             <a:ext cx="1316588" cy="1141043"/>
           </a:xfrm>
           <a:prstGeom prst="ellipse">
@@ -5269,7 +5272,7 @@
         </p:nvSpPr>
         <p:spPr>
           <a:xfrm>
-            <a:off x="7088215" y="1983652"/>
+            <a:off x="7228041" y="2821531"/>
             <a:ext cx="1545367" cy="721683"/>
           </a:xfrm>
           <a:prstGeom prst="rect">
@@ -5312,8 +5315,8 @@
           <p:nvPr/>
         </p:nvSpPr>
         <p:spPr>
-          <a:xfrm rot="20046654">
-            <a:off x="5411333" y="2896533"/>
+          <a:xfrm rot="21035673">
+            <a:off x="6169409" y="1812392"/>
             <a:ext cx="1162498" cy="369332"/>
           </a:xfrm>
           <a:prstGeom prst="rect">
@@ -5390,8 +5393,8 @@
         </p:nvCxnSpPr>
         <p:spPr>
           <a:xfrm flipV="1">
-            <a:off x="5495523" y="4383264"/>
-            <a:ext cx="1808054" cy="291723"/>
+            <a:off x="6285217" y="4383264"/>
+            <a:ext cx="1018360" cy="352878"/>
           </a:xfrm>
           <a:prstGeom prst="straightConnector1">
             <a:avLst/>
@@ -5504,8 +5507,8 @@
           <p:nvPr/>
         </p:nvSpPr>
         <p:spPr>
-          <a:xfrm rot="21067847">
-            <a:off x="5804324" y="4117181"/>
+          <a:xfrm rot="20397971">
+            <a:off x="6138012" y="4137440"/>
             <a:ext cx="1162498" cy="369332"/>
           </a:xfrm>
           <a:prstGeom prst="rect">
@@ -5673,6 +5676,409 @@
           </a:fontRef>
         </p:style>
       </p:cxnSp>
+      <p:cxnSp>
+        <p:nvCxnSpPr>
+          <p:cNvPr id="48" name="직선 화살표 연결선 47"/>
+          <p:cNvCxnSpPr>
+            <a:stCxn id="70" idx="7"/>
+            <a:endCxn id="75" idx="2"/>
+          </p:cNvCxnSpPr>
+          <p:nvPr/>
+        </p:nvCxnSpPr>
+        <p:spPr>
+          <a:xfrm flipV="1">
+            <a:off x="3287048" y="4736142"/>
+            <a:ext cx="1076503" cy="565469"/>
+          </a:xfrm>
+          <a:prstGeom prst="straightConnector1">
+            <a:avLst/>
+          </a:prstGeom>
+          <a:ln>
+            <a:prstDash val="dash"/>
+            <a:tailEnd type="triangle"/>
+          </a:ln>
+        </p:spPr>
+        <p:style>
+          <a:lnRef idx="2">
+            <a:schemeClr val="accent6"/>
+          </a:lnRef>
+          <a:fillRef idx="0">
+            <a:schemeClr val="accent6"/>
+          </a:fillRef>
+          <a:effectRef idx="1">
+            <a:schemeClr val="accent6"/>
+          </a:effectRef>
+          <a:fontRef idx="minor">
+            <a:schemeClr val="tx1"/>
+          </a:fontRef>
+        </p:style>
+      </p:cxnSp>
+      <p:sp>
+        <p:nvSpPr>
+          <p:cNvPr id="51" name="TextBox 90"/>
+          <p:cNvSpPr txBox="1"/>
+          <p:nvPr/>
+        </p:nvSpPr>
+        <p:spPr>
+          <a:xfrm rot="19988393">
+            <a:off x="3391525" y="4983597"/>
+            <a:ext cx="1083695" cy="369332"/>
+          </a:xfrm>
+          <a:prstGeom prst="rect">
+            <a:avLst/>
+          </a:prstGeom>
+          <a:noFill/>
+        </p:spPr>
+        <p:txBody>
+          <a:bodyPr wrap="none" rtlCol="0">
+            <a:spAutoFit/>
+          </a:bodyPr>
+          <a:lstStyle/>
+          <a:p>
+            <a:r>
+              <a:rPr lang="en-US" altLang="ko-KR" dirty="0" smtClean="0"/>
+              <a:t>operator</a:t>
+            </a:r>
+            <a:endParaRPr lang="ko-KR" altLang="en-US" dirty="0"/>
+          </a:p>
+        </p:txBody>
+      </p:sp>
+      <p:sp>
+        <p:nvSpPr>
+          <p:cNvPr id="58" name="타원 57"/>
+          <p:cNvSpPr/>
+          <p:nvPr/>
+        </p:nvSpPr>
+        <p:spPr>
+          <a:xfrm>
+            <a:off x="4634614" y="833129"/>
+            <a:ext cx="1921666" cy="705757"/>
+          </a:xfrm>
+          <a:prstGeom prst="ellipse">
+            <a:avLst/>
+          </a:prstGeom>
+        </p:spPr>
+        <p:style>
+          <a:lnRef idx="1">
+            <a:schemeClr val="accent4"/>
+          </a:lnRef>
+          <a:fillRef idx="2">
+            <a:schemeClr val="accent4"/>
+          </a:fillRef>
+          <a:effectRef idx="1">
+            <a:schemeClr val="accent4"/>
+          </a:effectRef>
+          <a:fontRef idx="minor">
+            <a:schemeClr val="dk1"/>
+          </a:fontRef>
+        </p:style>
+        <p:txBody>
+          <a:bodyPr rtlCol="0" anchor="ctr"/>
+          <a:lstStyle/>
+          <a:p>
+            <a:pPr algn="ctr"/>
+            <a:r>
+              <a:rPr lang="en-US" altLang="ko-KR" dirty="0" smtClean="0"/>
+              <a:t>Observable</a:t>
+            </a:r>
+            <a:endParaRPr lang="ko-KR" altLang="en-US" dirty="0"/>
+          </a:p>
+        </p:txBody>
+      </p:sp>
+      <p:sp>
+        <p:nvSpPr>
+          <p:cNvPr id="61" name="타원 60"/>
+          <p:cNvSpPr/>
+          <p:nvPr/>
+        </p:nvSpPr>
+        <p:spPr>
+          <a:xfrm>
+            <a:off x="4272561" y="1971321"/>
+            <a:ext cx="1921666" cy="705757"/>
+          </a:xfrm>
+          <a:prstGeom prst="ellipse">
+            <a:avLst/>
+          </a:prstGeom>
+        </p:spPr>
+        <p:style>
+          <a:lnRef idx="1">
+            <a:schemeClr val="accent4"/>
+          </a:lnRef>
+          <a:fillRef idx="2">
+            <a:schemeClr val="accent4"/>
+          </a:fillRef>
+          <a:effectRef idx="1">
+            <a:schemeClr val="accent4"/>
+          </a:effectRef>
+          <a:fontRef idx="minor">
+            <a:schemeClr val="dk1"/>
+          </a:fontRef>
+        </p:style>
+        <p:txBody>
+          <a:bodyPr rtlCol="0" anchor="ctr"/>
+          <a:lstStyle/>
+          <a:p>
+            <a:pPr algn="ctr"/>
+            <a:r>
+              <a:rPr lang="en-US" altLang="ko-KR" dirty="0" smtClean="0"/>
+              <a:t>Observable</a:t>
+            </a:r>
+            <a:endParaRPr lang="ko-KR" altLang="en-US" dirty="0"/>
+          </a:p>
+        </p:txBody>
+      </p:sp>
+      <p:cxnSp>
+        <p:nvCxnSpPr>
+          <p:cNvPr id="62" name="직선 화살표 연결선 61"/>
+          <p:cNvCxnSpPr>
+            <a:stCxn id="61" idx="6"/>
+            <a:endCxn id="66" idx="1"/>
+          </p:cNvCxnSpPr>
+          <p:nvPr/>
+        </p:nvCxnSpPr>
+        <p:spPr>
+          <a:xfrm flipV="1">
+            <a:off x="6194227" y="2150684"/>
+            <a:ext cx="1226697" cy="173516"/>
+          </a:xfrm>
+          <a:prstGeom prst="straightConnector1">
+            <a:avLst/>
+          </a:prstGeom>
+          <a:ln>
+            <a:prstDash val="dash"/>
+            <a:tailEnd type="triangle"/>
+          </a:ln>
+        </p:spPr>
+        <p:style>
+          <a:lnRef idx="2">
+            <a:schemeClr val="accent6"/>
+          </a:lnRef>
+          <a:fillRef idx="0">
+            <a:schemeClr val="accent6"/>
+          </a:fillRef>
+          <a:effectRef idx="1">
+            <a:schemeClr val="accent6"/>
+          </a:effectRef>
+          <a:fontRef idx="minor">
+            <a:schemeClr val="tx1"/>
+          </a:fontRef>
+        </p:style>
+      </p:cxnSp>
+      <p:sp>
+        <p:nvSpPr>
+          <p:cNvPr id="66" name="직사각형 65"/>
+          <p:cNvSpPr/>
+          <p:nvPr/>
+        </p:nvSpPr>
+        <p:spPr>
+          <a:xfrm>
+            <a:off x="7420924" y="1789842"/>
+            <a:ext cx="1545367" cy="721683"/>
+          </a:xfrm>
+          <a:prstGeom prst="rect">
+            <a:avLst/>
+          </a:prstGeom>
+        </p:spPr>
+        <p:style>
+          <a:lnRef idx="2">
+            <a:schemeClr val="accent6">
+              <a:shade val="50000"/>
+            </a:schemeClr>
+          </a:lnRef>
+          <a:fillRef idx="1">
+            <a:schemeClr val="accent6"/>
+          </a:fillRef>
+          <a:effectRef idx="0">
+            <a:schemeClr val="accent6"/>
+          </a:effectRef>
+          <a:fontRef idx="minor">
+            <a:schemeClr val="lt1"/>
+          </a:fontRef>
+        </p:style>
+        <p:txBody>
+          <a:bodyPr rtlCol="0" anchor="ctr"/>
+          <a:lstStyle/>
+          <a:p>
+            <a:pPr algn="ctr"/>
+            <a:r>
+              <a:rPr lang="en-US" altLang="ko-KR" dirty="0" smtClean="0"/>
+              <a:t>Observer</a:t>
+            </a:r>
+            <a:endParaRPr lang="ko-KR" altLang="en-US" dirty="0"/>
+          </a:p>
+        </p:txBody>
+      </p:sp>
+      <p:cxnSp>
+        <p:nvCxnSpPr>
+          <p:cNvPr id="72" name="직선 화살표 연결선 71"/>
+          <p:cNvCxnSpPr>
+            <a:stCxn id="66" idx="3"/>
+            <a:endCxn id="92" idx="2"/>
+          </p:cNvCxnSpPr>
+          <p:nvPr/>
+        </p:nvCxnSpPr>
+        <p:spPr>
+          <a:xfrm flipV="1">
+            <a:off x="8966291" y="2089891"/>
+            <a:ext cx="1289591" cy="60793"/>
+          </a:xfrm>
+          <a:prstGeom prst="straightConnector1">
+            <a:avLst/>
+          </a:prstGeom>
+          <a:ln>
+            <a:prstDash val="dash"/>
+            <a:tailEnd type="triangle"/>
+          </a:ln>
+        </p:spPr>
+        <p:style>
+          <a:lnRef idx="2">
+            <a:schemeClr val="accent6"/>
+          </a:lnRef>
+          <a:fillRef idx="0">
+            <a:schemeClr val="accent6"/>
+          </a:fillRef>
+          <a:effectRef idx="1">
+            <a:schemeClr val="accent6"/>
+          </a:effectRef>
+          <a:fontRef idx="minor">
+            <a:schemeClr val="tx1"/>
+          </a:fontRef>
+        </p:style>
+      </p:cxnSp>
+      <p:cxnSp>
+        <p:nvCxnSpPr>
+          <p:cNvPr id="81" name="직선 화살표 연결선 80"/>
+          <p:cNvCxnSpPr>
+            <a:stCxn id="47" idx="6"/>
+            <a:endCxn id="58" idx="2"/>
+          </p:cNvCxnSpPr>
+          <p:nvPr/>
+        </p:nvCxnSpPr>
+        <p:spPr>
+          <a:xfrm flipV="1">
+            <a:off x="2893549" y="1186008"/>
+            <a:ext cx="1741065" cy="1105446"/>
+          </a:xfrm>
+          <a:prstGeom prst="straightConnector1">
+            <a:avLst/>
+          </a:prstGeom>
+          <a:ln>
+            <a:prstDash val="dash"/>
+            <a:tailEnd type="triangle"/>
+          </a:ln>
+        </p:spPr>
+        <p:style>
+          <a:lnRef idx="2">
+            <a:schemeClr val="accent6"/>
+          </a:lnRef>
+          <a:fillRef idx="0">
+            <a:schemeClr val="accent6"/>
+          </a:fillRef>
+          <a:effectRef idx="1">
+            <a:schemeClr val="accent6"/>
+          </a:effectRef>
+          <a:fontRef idx="minor">
+            <a:schemeClr val="tx1"/>
+          </a:fontRef>
+        </p:style>
+      </p:cxnSp>
+      <p:cxnSp>
+        <p:nvCxnSpPr>
+          <p:cNvPr id="82" name="직선 화살표 연결선 81"/>
+          <p:cNvCxnSpPr>
+            <a:stCxn id="47" idx="6"/>
+            <a:endCxn id="61" idx="2"/>
+          </p:cNvCxnSpPr>
+          <p:nvPr/>
+        </p:nvCxnSpPr>
+        <p:spPr>
+          <a:xfrm>
+            <a:off x="2893549" y="2291454"/>
+            <a:ext cx="1379012" cy="32746"/>
+          </a:xfrm>
+          <a:prstGeom prst="straightConnector1">
+            <a:avLst/>
+          </a:prstGeom>
+          <a:ln>
+            <a:prstDash val="dash"/>
+            <a:tailEnd type="triangle"/>
+          </a:ln>
+        </p:spPr>
+        <p:style>
+          <a:lnRef idx="2">
+            <a:schemeClr val="accent6"/>
+          </a:lnRef>
+          <a:fillRef idx="0">
+            <a:schemeClr val="accent6"/>
+          </a:fillRef>
+          <a:effectRef idx="1">
+            <a:schemeClr val="accent6"/>
+          </a:effectRef>
+          <a:fontRef idx="minor">
+            <a:schemeClr val="tx1"/>
+          </a:fontRef>
+        </p:style>
+      </p:cxnSp>
+      <p:sp>
+        <p:nvSpPr>
+          <p:cNvPr id="85" name="TextBox 90"/>
+          <p:cNvSpPr txBox="1"/>
+          <p:nvPr/>
+        </p:nvSpPr>
+        <p:spPr>
+          <a:xfrm rot="191937">
+            <a:off x="2996497" y="2310229"/>
+            <a:ext cx="1083695" cy="369332"/>
+          </a:xfrm>
+          <a:prstGeom prst="rect">
+            <a:avLst/>
+          </a:prstGeom>
+          <a:noFill/>
+        </p:spPr>
+        <p:txBody>
+          <a:bodyPr wrap="none" rtlCol="0">
+            <a:spAutoFit/>
+          </a:bodyPr>
+          <a:lstStyle/>
+          <a:p>
+            <a:r>
+              <a:rPr lang="en-US" altLang="ko-KR" dirty="0" smtClean="0"/>
+              <a:t>operator</a:t>
+            </a:r>
+            <a:endParaRPr lang="ko-KR" altLang="en-US" dirty="0"/>
+          </a:p>
+        </p:txBody>
+      </p:sp>
+      <p:sp>
+        <p:nvSpPr>
+          <p:cNvPr id="89" name="TextBox 90"/>
+          <p:cNvSpPr txBox="1"/>
+          <p:nvPr/>
+        </p:nvSpPr>
+        <p:spPr>
+          <a:xfrm rot="191937">
+            <a:off x="3222233" y="1420002"/>
+            <a:ext cx="1083695" cy="369332"/>
+          </a:xfrm>
+          <a:prstGeom prst="rect">
+            <a:avLst/>
+          </a:prstGeom>
+          <a:noFill/>
+        </p:spPr>
+        <p:txBody>
+          <a:bodyPr wrap="none" rtlCol="0">
+            <a:spAutoFit/>
+          </a:bodyPr>
+          <a:lstStyle/>
+          <a:p>
+            <a:r>
+              <a:rPr lang="en-US" altLang="ko-KR" dirty="0" smtClean="0"/>
+              <a:t>operator</a:t>
+            </a:r>
+            <a:endParaRPr lang="ko-KR" altLang="en-US" dirty="0"/>
+          </a:p>
+        </p:txBody>
+      </p:sp>
     </p:spTree>
     <p:extLst>
       <p:ext uri="{BB962C8B-B14F-4D97-AF65-F5344CB8AC3E}">
@@ -11594,7 +12000,6 @@
               <a:rPr kumimoji="1" lang="en-US" altLang="ko-KR" dirty="0" smtClean="0"/>
               <a:t>B</a:t>
             </a:r>
-            <a:endParaRPr kumimoji="1" lang="en-US" altLang="ko-KR" dirty="0" smtClean="0"/>
           </a:p>
         </p:txBody>
       </p:sp>
@@ -13187,11 +13592,7 @@
           <a:p>
             <a:r>
               <a:rPr lang="ko-KR" altLang="en-US" dirty="0" smtClean="0"/>
-              <a:t>데이터</a:t>
-            </a:r>
-            <a:r>
-              <a:rPr lang="ko-KR" altLang="en-US" dirty="0" smtClean="0"/>
-              <a:t>가 전달</a:t>
+              <a:t>데이터가 전달</a:t>
             </a:r>
             <a:endParaRPr lang="ko-KR" altLang="en-US" dirty="0"/>
           </a:p>

--- a/docs/resources/resource.pptx
+++ b/docs/resources/resource.pptx
@@ -5,7 +5,7 @@
     <p:sldMasterId id="2147483648" r:id="rId1"/>
   </p:sldMasterIdLst>
   <p:notesMasterIdLst>
-    <p:notesMasterId r:id="rId23"/>
+    <p:notesMasterId r:id="rId24"/>
   </p:notesMasterIdLst>
   <p:sldIdLst>
     <p:sldId id="265" r:id="rId2"/>
@@ -25,10 +25,11 @@
     <p:sldId id="258" r:id="rId16"/>
     <p:sldId id="257" r:id="rId17"/>
     <p:sldId id="260" r:id="rId18"/>
-    <p:sldId id="256" r:id="rId19"/>
-    <p:sldId id="263" r:id="rId20"/>
-    <p:sldId id="264" r:id="rId21"/>
-    <p:sldId id="262" r:id="rId22"/>
+    <p:sldId id="279" r:id="rId19"/>
+    <p:sldId id="256" r:id="rId20"/>
+    <p:sldId id="263" r:id="rId21"/>
+    <p:sldId id="264" r:id="rId22"/>
+    <p:sldId id="262" r:id="rId23"/>
   </p:sldIdLst>
   <p:sldSz cx="12192000" cy="6858000"/>
   <p:notesSz cx="6858000" cy="9144000"/>
@@ -217,7 +218,7 @@
           <a:p>
             <a:fld id="{8B012330-251B-0F46-9B52-627E8AA768DF}" type="datetimeFigureOut">
               <a:rPr kumimoji="1" lang="ko-KR" altLang="en-US" smtClean="0"/>
-              <a:t>2017. 9. 12.</a:t>
+              <a:t>2017. 10. 12.</a:t>
             </a:fld>
             <a:endParaRPr kumimoji="1" lang="ko-KR" altLang="en-US"/>
           </a:p>
@@ -616,7 +617,7 @@
           <a:p>
             <a:fld id="{E8CC6AD3-0E4D-43A1-8C4E-D928CA009E8D}" type="datetimeFigureOut">
               <a:rPr lang="ko-KR" altLang="en-US" smtClean="0"/>
-              <a:t>2017. 9. 12.</a:t>
+              <a:t>2017. 10. 12.</a:t>
             </a:fld>
             <a:endParaRPr lang="ko-KR" altLang="en-US"/>
           </a:p>
@@ -786,7 +787,7 @@
           <a:p>
             <a:fld id="{E8CC6AD3-0E4D-43A1-8C4E-D928CA009E8D}" type="datetimeFigureOut">
               <a:rPr lang="ko-KR" altLang="en-US" smtClean="0"/>
-              <a:t>2017. 9. 12.</a:t>
+              <a:t>2017. 10. 12.</a:t>
             </a:fld>
             <a:endParaRPr lang="ko-KR" altLang="en-US"/>
           </a:p>
@@ -966,7 +967,7 @@
           <a:p>
             <a:fld id="{E8CC6AD3-0E4D-43A1-8C4E-D928CA009E8D}" type="datetimeFigureOut">
               <a:rPr lang="ko-KR" altLang="en-US" smtClean="0"/>
-              <a:t>2017. 9. 12.</a:t>
+              <a:t>2017. 10. 12.</a:t>
             </a:fld>
             <a:endParaRPr lang="ko-KR" altLang="en-US"/>
           </a:p>
@@ -1136,7 +1137,7 @@
           <a:p>
             <a:fld id="{E8CC6AD3-0E4D-43A1-8C4E-D928CA009E8D}" type="datetimeFigureOut">
               <a:rPr lang="ko-KR" altLang="en-US" smtClean="0"/>
-              <a:t>2017. 9. 12.</a:t>
+              <a:t>2017. 10. 12.</a:t>
             </a:fld>
             <a:endParaRPr lang="ko-KR" altLang="en-US"/>
           </a:p>
@@ -1382,7 +1383,7 @@
           <a:p>
             <a:fld id="{E8CC6AD3-0E4D-43A1-8C4E-D928CA009E8D}" type="datetimeFigureOut">
               <a:rPr lang="ko-KR" altLang="en-US" smtClean="0"/>
-              <a:t>2017. 9. 12.</a:t>
+              <a:t>2017. 10. 12.</a:t>
             </a:fld>
             <a:endParaRPr lang="ko-KR" altLang="en-US"/>
           </a:p>
@@ -1614,7 +1615,7 @@
           <a:p>
             <a:fld id="{E8CC6AD3-0E4D-43A1-8C4E-D928CA009E8D}" type="datetimeFigureOut">
               <a:rPr lang="ko-KR" altLang="en-US" smtClean="0"/>
-              <a:t>2017. 9. 12.</a:t>
+              <a:t>2017. 10. 12.</a:t>
             </a:fld>
             <a:endParaRPr lang="ko-KR" altLang="en-US"/>
           </a:p>
@@ -1981,7 +1982,7 @@
           <a:p>
             <a:fld id="{E8CC6AD3-0E4D-43A1-8C4E-D928CA009E8D}" type="datetimeFigureOut">
               <a:rPr lang="ko-KR" altLang="en-US" smtClean="0"/>
-              <a:t>2017. 9. 12.</a:t>
+              <a:t>2017. 10. 12.</a:t>
             </a:fld>
             <a:endParaRPr lang="ko-KR" altLang="en-US"/>
           </a:p>
@@ -2099,7 +2100,7 @@
           <a:p>
             <a:fld id="{E8CC6AD3-0E4D-43A1-8C4E-D928CA009E8D}" type="datetimeFigureOut">
               <a:rPr lang="ko-KR" altLang="en-US" smtClean="0"/>
-              <a:t>2017. 9. 12.</a:t>
+              <a:t>2017. 10. 12.</a:t>
             </a:fld>
             <a:endParaRPr lang="ko-KR" altLang="en-US"/>
           </a:p>
@@ -2194,7 +2195,7 @@
           <a:p>
             <a:fld id="{E8CC6AD3-0E4D-43A1-8C4E-D928CA009E8D}" type="datetimeFigureOut">
               <a:rPr lang="ko-KR" altLang="en-US" smtClean="0"/>
-              <a:t>2017. 9. 12.</a:t>
+              <a:t>2017. 10. 12.</a:t>
             </a:fld>
             <a:endParaRPr lang="ko-KR" altLang="en-US"/>
           </a:p>
@@ -2471,7 +2472,7 @@
           <a:p>
             <a:fld id="{E8CC6AD3-0E4D-43A1-8C4E-D928CA009E8D}" type="datetimeFigureOut">
               <a:rPr lang="ko-KR" altLang="en-US" smtClean="0"/>
-              <a:t>2017. 9. 12.</a:t>
+              <a:t>2017. 10. 12.</a:t>
             </a:fld>
             <a:endParaRPr lang="ko-KR" altLang="en-US"/>
           </a:p>
@@ -2724,7 +2725,7 @@
           <a:p>
             <a:fld id="{E8CC6AD3-0E4D-43A1-8C4E-D928CA009E8D}" type="datetimeFigureOut">
               <a:rPr lang="ko-KR" altLang="en-US" smtClean="0"/>
-              <a:t>2017. 9. 12.</a:t>
+              <a:t>2017. 10. 12.</a:t>
             </a:fld>
             <a:endParaRPr lang="ko-KR" altLang="en-US"/>
           </a:p>
@@ -2937,7 +2938,7 @@
           <a:p>
             <a:fld id="{E8CC6AD3-0E4D-43A1-8C4E-D928CA009E8D}" type="datetimeFigureOut">
               <a:rPr lang="ko-KR" altLang="en-US" smtClean="0"/>
-              <a:t>2017. 9. 12.</a:t>
+              <a:t>2017. 10. 12.</a:t>
             </a:fld>
             <a:endParaRPr lang="ko-KR" altLang="en-US"/>
           </a:p>
@@ -7254,7 +7255,11 @@
             </a:pPr>
             <a:r>
               <a:rPr lang="en-US" altLang="ko-KR" sz="1600" b="1" dirty="0" smtClean="0"/>
-              <a:t>remove(observer)</a:t>
+              <a:t>remove(observer</a:t>
+            </a:r>
+            <a:r>
+              <a:rPr lang="en-US" altLang="ko-KR" sz="1600" b="1" dirty="0" smtClean="0"/>
+              <a:t>)</a:t>
             </a:r>
           </a:p>
           <a:p>
@@ -7263,7 +7268,7 @@
               <a:buChar char="•"/>
             </a:pPr>
             <a:r>
-              <a:rPr lang="en-US" altLang="ko-KR" sz="1600" b="1" dirty="0" smtClean="0"/>
+              <a:rPr lang="en-US" altLang="ko-KR" sz="1600" b="1" smtClean="0"/>
               <a:t>notify(status)</a:t>
             </a:r>
             <a:endParaRPr lang="ko-KR" altLang="en-US" sz="1600" b="1" dirty="0"/>
@@ -7350,6 +7355,181 @@
           </a:fontRef>
         </p:style>
       </p:cxnSp>
+      <p:sp>
+        <p:nvSpPr>
+          <p:cNvPr id="2" name="오른쪽 화살표[R] 1"/>
+          <p:cNvSpPr/>
+          <p:nvPr/>
+        </p:nvSpPr>
+        <p:spPr>
+          <a:xfrm>
+            <a:off x="4537710" y="2274570"/>
+            <a:ext cx="1823085" cy="440055"/>
+          </a:xfrm>
+          <a:prstGeom prst="rightArrow">
+            <a:avLst/>
+          </a:prstGeom>
+        </p:spPr>
+        <p:style>
+          <a:lnRef idx="2">
+            <a:schemeClr val="accent1">
+              <a:shade val="50000"/>
+            </a:schemeClr>
+          </a:lnRef>
+          <a:fillRef idx="1">
+            <a:schemeClr val="accent1"/>
+          </a:fillRef>
+          <a:effectRef idx="0">
+            <a:schemeClr val="accent1"/>
+          </a:effectRef>
+          <a:fontRef idx="minor">
+            <a:schemeClr val="lt1"/>
+          </a:fontRef>
+        </p:style>
+        <p:txBody>
+          <a:bodyPr rtlCol="0" anchor="ctr"/>
+          <a:lstStyle/>
+          <a:p>
+            <a:pPr algn="ctr"/>
+            <a:r>
+              <a:rPr kumimoji="1" lang="ko-KR" altLang="en-US" sz="1200" dirty="0" smtClean="0"/>
+              <a:t>데이타 흐름 </a:t>
+            </a:r>
+            <a:r>
+              <a:rPr kumimoji="1" lang="en-US" altLang="ko-KR" sz="1200" dirty="0" smtClean="0"/>
+              <a:t>(Push)</a:t>
+            </a:r>
+            <a:endParaRPr kumimoji="1" lang="ko-KR" altLang="en-US" sz="1200" dirty="0"/>
+          </a:p>
+        </p:txBody>
+      </p:sp>
+      <p:sp>
+        <p:nvSpPr>
+          <p:cNvPr id="3" name="텍스트 상자 2"/>
+          <p:cNvSpPr txBox="1"/>
+          <p:nvPr/>
+        </p:nvSpPr>
+        <p:spPr>
+          <a:xfrm>
+            <a:off x="4990761" y="1447914"/>
+            <a:ext cx="916982" cy="369332"/>
+          </a:xfrm>
+          <a:prstGeom prst="rect">
+            <a:avLst/>
+          </a:prstGeom>
+          <a:noFill/>
+        </p:spPr>
+        <p:txBody>
+          <a:bodyPr wrap="none" rtlCol="0">
+            <a:spAutoFit/>
+          </a:bodyPr>
+          <a:lstStyle/>
+          <a:p>
+            <a:r>
+              <a:rPr kumimoji="1" lang="en-US" altLang="ko-KR" smtClean="0"/>
+              <a:t>update</a:t>
+            </a:r>
+            <a:endParaRPr kumimoji="1" lang="ko-KR" altLang="en-US" dirty="0"/>
+          </a:p>
+        </p:txBody>
+      </p:sp>
+      <p:sp>
+        <p:nvSpPr>
+          <p:cNvPr id="11" name="텍스트 상자 10"/>
+          <p:cNvSpPr txBox="1"/>
+          <p:nvPr/>
+        </p:nvSpPr>
+        <p:spPr>
+          <a:xfrm>
+            <a:off x="5157345" y="3140732"/>
+            <a:ext cx="583814" cy="369332"/>
+          </a:xfrm>
+          <a:prstGeom prst="rect">
+            <a:avLst/>
+          </a:prstGeom>
+          <a:noFill/>
+        </p:spPr>
+        <p:txBody>
+          <a:bodyPr wrap="none" rtlCol="0">
+            <a:spAutoFit/>
+          </a:bodyPr>
+          <a:lstStyle/>
+          <a:p>
+            <a:r>
+              <a:rPr kumimoji="1" lang="en-US" altLang="ko-KR" dirty="0" smtClean="0"/>
+              <a:t>add</a:t>
+            </a:r>
+            <a:endParaRPr kumimoji="1" lang="ko-KR" altLang="en-US" dirty="0"/>
+          </a:p>
+        </p:txBody>
+      </p:sp>
+      <p:sp>
+        <p:nvSpPr>
+          <p:cNvPr id="7" name="텍스트 상자 6"/>
+          <p:cNvSpPr txBox="1"/>
+          <p:nvPr/>
+        </p:nvSpPr>
+        <p:spPr>
+          <a:xfrm>
+            <a:off x="2361724" y="3502372"/>
+            <a:ext cx="1983235" cy="553998"/>
+          </a:xfrm>
+          <a:prstGeom prst="rect">
+            <a:avLst/>
+          </a:prstGeom>
+          <a:noFill/>
+        </p:spPr>
+        <p:txBody>
+          <a:bodyPr wrap="none" rtlCol="0">
+            <a:spAutoFit/>
+          </a:bodyPr>
+          <a:lstStyle/>
+          <a:p>
+            <a:r>
+              <a:rPr kumimoji="1" lang="ko-KR" altLang="en-US" sz="1500" dirty="0" smtClean="0"/>
+              <a:t>상태변화가 일어나는</a:t>
+            </a:r>
+            <a:endParaRPr kumimoji="1" lang="en-US" altLang="ko-KR" sz="1500" dirty="0" smtClean="0"/>
+          </a:p>
+          <a:p>
+            <a:r>
+              <a:rPr kumimoji="1" lang="ko-KR" altLang="en-US" sz="1500" dirty="0" smtClean="0"/>
+              <a:t>의존관계의 대상</a:t>
+            </a:r>
+            <a:endParaRPr kumimoji="1" lang="ko-KR" altLang="en-US" sz="1500" dirty="0"/>
+          </a:p>
+        </p:txBody>
+      </p:sp>
+      <p:sp>
+        <p:nvSpPr>
+          <p:cNvPr id="12" name="텍스트 상자 11"/>
+          <p:cNvSpPr txBox="1"/>
+          <p:nvPr/>
+        </p:nvSpPr>
+        <p:spPr>
+          <a:xfrm>
+            <a:off x="6264828" y="3617789"/>
+            <a:ext cx="2502608" cy="323165"/>
+          </a:xfrm>
+          <a:prstGeom prst="rect">
+            <a:avLst/>
+          </a:prstGeom>
+          <a:noFill/>
+        </p:spPr>
+        <p:txBody>
+          <a:bodyPr wrap="none" rtlCol="0">
+            <a:spAutoFit/>
+          </a:bodyPr>
+          <a:lstStyle/>
+          <a:p>
+            <a:r>
+              <a:rPr kumimoji="1" lang="ko-KR" altLang="en-US" sz="1500" smtClean="0"/>
+              <a:t>데이터를 얻고자 하는 대상</a:t>
+            </a:r>
+            <a:endParaRPr kumimoji="1" lang="ko-KR" altLang="en-US" sz="1500" dirty="0"/>
+          </a:p>
+        </p:txBody>
+      </p:sp>
     </p:spTree>
     <p:extLst>
       <p:ext uri="{BB962C8B-B14F-4D97-AF65-F5344CB8AC3E}">
@@ -7395,54 +7575,281 @@
         </p:nvSpPr>
         <p:spPr>
           <a:xfrm>
-            <a:off x="938784" y="755904"/>
-            <a:ext cx="2450592" cy="1097280"/>
+            <a:off x="2028825" y="1355007"/>
+            <a:ext cx="2403689" cy="986910"/>
           </a:xfrm>
           <a:prstGeom prst="rect">
             <a:avLst/>
           </a:prstGeom>
         </p:spPr>
         <p:style>
+          <a:lnRef idx="1">
+            <a:schemeClr val="accent4"/>
+          </a:lnRef>
+          <a:fillRef idx="3">
+            <a:schemeClr val="accent4"/>
+          </a:fillRef>
+          <a:effectRef idx="2">
+            <a:schemeClr val="accent4"/>
+          </a:effectRef>
+          <a:fontRef idx="minor">
+            <a:schemeClr val="lt1"/>
+          </a:fontRef>
+        </p:style>
+        <p:txBody>
+          <a:bodyPr rtlCol="0" anchor="ctr"/>
+          <a:lstStyle/>
+          <a:p>
+            <a:pPr algn="ctr"/>
+            <a:r>
+              <a:rPr lang="en-US" altLang="ko-KR" sz="2200" b="1" dirty="0" smtClean="0"/>
+              <a:t>Observable</a:t>
+            </a:r>
+            <a:endParaRPr lang="ko-KR" altLang="en-US" sz="2200" b="1" dirty="0"/>
+          </a:p>
+        </p:txBody>
+      </p:sp>
+      <p:cxnSp>
+        <p:nvCxnSpPr>
+          <p:cNvPr id="5" name="직선 화살표 연결선 4"/>
+          <p:cNvCxnSpPr>
+            <a:stCxn id="4" idx="3"/>
+            <a:endCxn id="6" idx="1"/>
+          </p:cNvCxnSpPr>
+          <p:nvPr/>
+        </p:nvCxnSpPr>
+        <p:spPr>
+          <a:xfrm>
+            <a:off x="4432514" y="1848462"/>
+            <a:ext cx="2699623" cy="0"/>
+          </a:xfrm>
+          <a:prstGeom prst="straightConnector1">
+            <a:avLst/>
+          </a:prstGeom>
+          <a:ln cmpd="dbl">
+            <a:prstDash val="sysDash"/>
+            <a:headEnd type="none" w="lg" len="lg"/>
+            <a:tailEnd type="arrow" w="lg" len="lg"/>
+          </a:ln>
+        </p:spPr>
+        <p:style>
+          <a:lnRef idx="3">
+            <a:schemeClr val="dk1"/>
+          </a:lnRef>
+          <a:fillRef idx="0">
+            <a:schemeClr val="dk1"/>
+          </a:fillRef>
+          <a:effectRef idx="2">
+            <a:schemeClr val="dk1"/>
+          </a:effectRef>
+          <a:fontRef idx="minor">
+            <a:schemeClr val="tx1"/>
+          </a:fontRef>
+        </p:style>
+      </p:cxnSp>
+      <p:sp>
+        <p:nvSpPr>
+          <p:cNvPr id="6" name="직사각형 5"/>
+          <p:cNvSpPr/>
+          <p:nvPr/>
+        </p:nvSpPr>
+        <p:spPr>
+          <a:xfrm>
+            <a:off x="7132137" y="1355007"/>
+            <a:ext cx="2158343" cy="986910"/>
+          </a:xfrm>
+          <a:prstGeom prst="rect">
+            <a:avLst/>
+          </a:prstGeom>
+        </p:spPr>
+        <p:style>
+          <a:lnRef idx="1">
+            <a:schemeClr val="accent6"/>
+          </a:lnRef>
+          <a:fillRef idx="3">
+            <a:schemeClr val="accent6"/>
+          </a:fillRef>
+          <a:effectRef idx="2">
+            <a:schemeClr val="accent6"/>
+          </a:effectRef>
+          <a:fontRef idx="minor">
+            <a:schemeClr val="lt1"/>
+          </a:fontRef>
+        </p:style>
+        <p:txBody>
+          <a:bodyPr rtlCol="0" anchor="ctr"/>
+          <a:lstStyle/>
+          <a:p>
+            <a:pPr algn="ctr"/>
+            <a:r>
+              <a:rPr lang="en-US" altLang="ko-KR" sz="2200" b="1" dirty="0" smtClean="0"/>
+              <a:t>Observer</a:t>
+            </a:r>
+            <a:endParaRPr lang="ko-KR" altLang="en-US" sz="2200" b="1" dirty="0"/>
+          </a:p>
+        </p:txBody>
+      </p:sp>
+      <p:sp>
+        <p:nvSpPr>
+          <p:cNvPr id="8" name="직사각형 7"/>
+          <p:cNvSpPr/>
+          <p:nvPr/>
+        </p:nvSpPr>
+        <p:spPr>
+          <a:xfrm>
+            <a:off x="2028825" y="2341916"/>
+            <a:ext cx="2403689" cy="1050989"/>
+          </a:xfrm>
+          <a:prstGeom prst="rect">
+            <a:avLst/>
+          </a:prstGeom>
+        </p:spPr>
+        <p:style>
           <a:lnRef idx="2">
-            <a:schemeClr val="accent6">
-              <a:shade val="50000"/>
-            </a:schemeClr>
+            <a:schemeClr val="dk1"/>
           </a:lnRef>
           <a:fillRef idx="1">
-            <a:schemeClr val="accent6"/>
+            <a:schemeClr val="lt1"/>
           </a:fillRef>
           <a:effectRef idx="0">
-            <a:schemeClr val="accent6"/>
-          </a:effectRef>
-          <a:fontRef idx="minor">
+            <a:schemeClr val="dk1"/>
+          </a:effectRef>
+          <a:fontRef idx="minor">
+            <a:schemeClr val="dk1"/>
+          </a:fontRef>
+        </p:style>
+        <p:txBody>
+          <a:bodyPr rtlCol="0" anchor="ctr"/>
+          <a:lstStyle/>
+          <a:p>
+            <a:pPr marL="285750" indent="-285750">
+              <a:buFont typeface="Arial" panose="020B0604020202020204" pitchFamily="34" charset="0"/>
+              <a:buChar char="•"/>
+            </a:pPr>
+            <a:r>
+              <a:rPr lang="en-US" altLang="ko-KR" sz="1600" b="1" dirty="0" smtClean="0"/>
+              <a:t>subscribe(observer)</a:t>
+            </a:r>
+            <a:endParaRPr lang="en-US" altLang="ko-KR" sz="1600" b="1" dirty="0" smtClean="0"/>
+          </a:p>
+        </p:txBody>
+      </p:sp>
+      <p:sp>
+        <p:nvSpPr>
+          <p:cNvPr id="9" name="직사각형 8"/>
+          <p:cNvSpPr/>
+          <p:nvPr/>
+        </p:nvSpPr>
+        <p:spPr>
+          <a:xfrm>
+            <a:off x="7132137" y="2341916"/>
+            <a:ext cx="2158343" cy="1050989"/>
+          </a:xfrm>
+          <a:prstGeom prst="rect">
+            <a:avLst/>
+          </a:prstGeom>
+        </p:spPr>
+        <p:style>
+          <a:lnRef idx="2">
+            <a:schemeClr val="dk1"/>
+          </a:lnRef>
+          <a:fillRef idx="1">
             <a:schemeClr val="lt1"/>
+          </a:fillRef>
+          <a:effectRef idx="0">
+            <a:schemeClr val="dk1"/>
+          </a:effectRef>
+          <a:fontRef idx="minor">
+            <a:schemeClr val="dk1"/>
           </a:fontRef>
         </p:style>
         <p:txBody>
           <a:bodyPr rtlCol="0" anchor="ctr"/>
           <a:lstStyle/>
           <a:p>
-            <a:pPr algn="ctr"/>
-            <a:r>
-              <a:rPr lang="en-US" altLang="ko-KR" dirty="0" smtClean="0"/>
-              <a:t>Component</a:t>
-            </a:r>
-            <a:endParaRPr lang="ko-KR" altLang="en-US" dirty="0"/>
-          </a:p>
-        </p:txBody>
-      </p:sp>
-      <p:sp>
-        <p:nvSpPr>
-          <p:cNvPr id="5" name="타원 4"/>
+            <a:pPr marL="285750" indent="-285750">
+              <a:buFont typeface="Arial" panose="020B0604020202020204" pitchFamily="34" charset="0"/>
+              <a:buChar char="•"/>
+            </a:pPr>
+            <a:r>
+              <a:rPr lang="en-US" altLang="ko-KR" sz="1600" b="1" dirty="0" smtClean="0"/>
+              <a:t>next</a:t>
+            </a:r>
+            <a:r>
+              <a:rPr lang="en-US" altLang="ko-KR" sz="1600" b="1" dirty="0" smtClean="0"/>
+              <a:t>(status)</a:t>
+            </a:r>
+          </a:p>
+          <a:p>
+            <a:pPr marL="285750" indent="-285750">
+              <a:buFont typeface="Arial" panose="020B0604020202020204" pitchFamily="34" charset="0"/>
+              <a:buChar char="•"/>
+            </a:pPr>
+            <a:r>
+              <a:rPr lang="en-US" altLang="ko-KR" sz="1600" b="1" dirty="0" smtClean="0"/>
+              <a:t>error(error)</a:t>
+            </a:r>
+          </a:p>
+          <a:p>
+            <a:pPr marL="285750" indent="-285750">
+              <a:buFont typeface="Arial" panose="020B0604020202020204" pitchFamily="34" charset="0"/>
+              <a:buChar char="•"/>
+            </a:pPr>
+            <a:r>
+              <a:rPr lang="en-US" altLang="ko-KR" sz="1600" b="1" dirty="0" smtClean="0"/>
+              <a:t>complete()</a:t>
+            </a:r>
+            <a:endParaRPr lang="ko-KR" altLang="en-US" sz="1600" b="1" dirty="0"/>
+          </a:p>
+        </p:txBody>
+      </p:sp>
+      <p:cxnSp>
+        <p:nvCxnSpPr>
+          <p:cNvPr id="10" name="직선 화살표 연결선 9"/>
+          <p:cNvCxnSpPr/>
+          <p:nvPr/>
+        </p:nvCxnSpPr>
+        <p:spPr>
+          <a:xfrm>
+            <a:off x="4432513" y="3141435"/>
+            <a:ext cx="2699624" cy="3376"/>
+          </a:xfrm>
+          <a:prstGeom prst="straightConnector1">
+            <a:avLst/>
+          </a:prstGeom>
+          <a:ln cmpd="dbl">
+            <a:prstDash val="sysDash"/>
+            <a:headEnd type="arrow" w="lg" len="lg"/>
+            <a:tailEnd type="none" w="med" len="med"/>
+          </a:ln>
+        </p:spPr>
+        <p:style>
+          <a:lnRef idx="3">
+            <a:schemeClr val="dk1"/>
+          </a:lnRef>
+          <a:fillRef idx="0">
+            <a:schemeClr val="dk1"/>
+          </a:fillRef>
+          <a:effectRef idx="2">
+            <a:schemeClr val="dk1"/>
+          </a:effectRef>
+          <a:fontRef idx="minor">
+            <a:schemeClr val="tx1"/>
+          </a:fontRef>
+        </p:style>
+      </p:cxnSp>
+      <p:sp>
+        <p:nvSpPr>
+          <p:cNvPr id="2" name="오른쪽 화살표[R] 1"/>
           <p:cNvSpPr/>
           <p:nvPr/>
         </p:nvSpPr>
         <p:spPr>
           <a:xfrm>
-            <a:off x="5766816" y="573024"/>
-            <a:ext cx="1463040" cy="1463040"/>
-          </a:xfrm>
-          <a:prstGeom prst="ellipse">
+            <a:off x="4537710" y="2274570"/>
+            <a:ext cx="2520315" cy="440055"/>
+          </a:xfrm>
+          <a:prstGeom prst="rightArrow">
             <a:avLst/>
           </a:prstGeom>
         </p:spPr>
@@ -7468,59 +7875,27 @@
           <a:p>
             <a:pPr algn="ctr"/>
             <a:r>
-              <a:rPr lang="en-US" altLang="ko-KR" dirty="0" smtClean="0"/>
-              <a:t>Service</a:t>
-            </a:r>
-            <a:endParaRPr lang="ko-KR" altLang="en-US" dirty="0"/>
-          </a:p>
-        </p:txBody>
-      </p:sp>
-      <p:cxnSp>
-        <p:nvCxnSpPr>
-          <p:cNvPr id="7" name="직선 화살표 연결선 6"/>
-          <p:cNvCxnSpPr>
-            <a:stCxn id="4" idx="3"/>
-          </p:cNvCxnSpPr>
-          <p:nvPr/>
-        </p:nvCxnSpPr>
-        <p:spPr>
-          <a:xfrm>
-            <a:off x="3389376" y="1304544"/>
-            <a:ext cx="2377440" cy="0"/>
-          </a:xfrm>
-          <a:prstGeom prst="straightConnector1">
-            <a:avLst/>
-          </a:prstGeom>
-          <a:ln>
-            <a:prstDash val="dash"/>
-            <a:tailEnd type="triangle"/>
-          </a:ln>
-        </p:spPr>
-        <p:style>
-          <a:lnRef idx="2">
-            <a:schemeClr val="accent6"/>
-          </a:lnRef>
-          <a:fillRef idx="0">
-            <a:schemeClr val="accent6"/>
-          </a:fillRef>
-          <a:effectRef idx="1">
-            <a:schemeClr val="accent6"/>
-          </a:effectRef>
-          <a:fontRef idx="minor">
-            <a:schemeClr val="tx1"/>
-          </a:fontRef>
-        </p:style>
-      </p:cxnSp>
-      <p:sp>
-        <p:nvSpPr>
-          <p:cNvPr id="9" name="TextBox 8"/>
+              <a:rPr kumimoji="1" lang="ko-KR" altLang="en-US" sz="1200" dirty="0" smtClean="0"/>
+              <a:t>데이타 흐름 </a:t>
+            </a:r>
+            <a:r>
+              <a:rPr kumimoji="1" lang="en-US" altLang="ko-KR" sz="1200" dirty="0" smtClean="0"/>
+              <a:t>(Push)</a:t>
+            </a:r>
+            <a:endParaRPr kumimoji="1" lang="ko-KR" altLang="en-US" sz="1200" dirty="0"/>
+          </a:p>
+        </p:txBody>
+      </p:sp>
+      <p:sp>
+        <p:nvSpPr>
+          <p:cNvPr id="3" name="텍스트 상자 2"/>
           <p:cNvSpPr txBox="1"/>
           <p:nvPr/>
         </p:nvSpPr>
         <p:spPr>
           <a:xfrm>
-            <a:off x="4069999" y="935212"/>
-            <a:ext cx="1162498" cy="369332"/>
+            <a:off x="4655695" y="1415702"/>
+            <a:ext cx="2284343" cy="369332"/>
           </a:xfrm>
           <a:prstGeom prst="rect">
             <a:avLst/>
@@ -7534,63 +7909,23 @@
           <a:lstStyle/>
           <a:p>
             <a:r>
-              <a:rPr lang="en-US" altLang="ko-KR" dirty="0" smtClean="0"/>
-              <a:t>subscribe</a:t>
-            </a:r>
-            <a:endParaRPr lang="ko-KR" altLang="en-US" dirty="0"/>
-          </a:p>
-        </p:txBody>
-      </p:sp>
-      <p:sp>
-        <p:nvSpPr>
-          <p:cNvPr id="12" name="오른쪽 화살표 11"/>
-          <p:cNvSpPr/>
-          <p:nvPr/>
-        </p:nvSpPr>
-        <p:spPr>
-          <a:xfrm rot="10800000">
-            <a:off x="3627120" y="1463038"/>
-            <a:ext cx="1944624" cy="210837"/>
-          </a:xfrm>
-          <a:prstGeom prst="rightArrow">
-            <a:avLst/>
-          </a:prstGeom>
-        </p:spPr>
-        <p:style>
-          <a:lnRef idx="2">
-            <a:schemeClr val="accent4">
-              <a:shade val="50000"/>
-            </a:schemeClr>
-          </a:lnRef>
-          <a:fillRef idx="1">
-            <a:schemeClr val="accent4"/>
-          </a:fillRef>
-          <a:effectRef idx="0">
-            <a:schemeClr val="accent4"/>
-          </a:effectRef>
-          <a:fontRef idx="minor">
-            <a:schemeClr val="lt1"/>
-          </a:fontRef>
-        </p:style>
-        <p:txBody>
-          <a:bodyPr rtlCol="0" anchor="ctr"/>
-          <a:lstStyle/>
-          <a:p>
-            <a:pPr algn="ctr"/>
-            <a:endParaRPr lang="ko-KR" altLang="en-US"/>
-          </a:p>
-        </p:txBody>
-      </p:sp>
-      <p:sp>
-        <p:nvSpPr>
-          <p:cNvPr id="13" name="TextBox 12"/>
+              <a:rPr kumimoji="1" lang="en-US" altLang="ko-KR" smtClean="0"/>
+              <a:t>next/error/complete</a:t>
+            </a:r>
+            <a:endParaRPr kumimoji="1" lang="ko-KR" altLang="en-US" dirty="0"/>
+          </a:p>
+        </p:txBody>
+      </p:sp>
+      <p:sp>
+        <p:nvSpPr>
+          <p:cNvPr id="11" name="텍스트 상자 10"/>
           <p:cNvSpPr txBox="1"/>
           <p:nvPr/>
         </p:nvSpPr>
         <p:spPr>
           <a:xfrm>
-            <a:off x="3930894" y="1710448"/>
-            <a:ext cx="1420582" cy="369332"/>
+            <a:off x="5201076" y="3178506"/>
+            <a:ext cx="1162498" cy="369332"/>
           </a:xfrm>
           <a:prstGeom prst="rect">
             <a:avLst/>
@@ -7604,399 +7939,23 @@
           <a:lstStyle/>
           <a:p>
             <a:r>
-              <a:rPr lang="ko-KR" altLang="en-US" b="1" dirty="0" smtClean="0">
-                <a:solidFill>
-                  <a:srgbClr val="FFC000"/>
-                </a:solidFill>
-              </a:rPr>
-              <a:t>데이터 흐름</a:t>
-            </a:r>
-            <a:endParaRPr lang="ko-KR" altLang="en-US" b="1" dirty="0">
-              <a:solidFill>
-                <a:srgbClr val="FFC000"/>
-              </a:solidFill>
-            </a:endParaRPr>
-          </a:p>
-        </p:txBody>
-      </p:sp>
-      <p:sp>
-        <p:nvSpPr>
-          <p:cNvPr id="14" name="직사각형 13"/>
-          <p:cNvSpPr/>
-          <p:nvPr/>
-        </p:nvSpPr>
-        <p:spPr>
-          <a:xfrm>
-            <a:off x="584770" y="3851841"/>
-            <a:ext cx="2001317" cy="721683"/>
-          </a:xfrm>
-          <a:prstGeom prst="rect">
-            <a:avLst/>
-          </a:prstGeom>
-        </p:spPr>
-        <p:style>
-          <a:lnRef idx="2">
-            <a:schemeClr val="accent6">
-              <a:shade val="50000"/>
-            </a:schemeClr>
-          </a:lnRef>
-          <a:fillRef idx="1">
-            <a:schemeClr val="accent6"/>
-          </a:fillRef>
-          <a:effectRef idx="0">
-            <a:schemeClr val="accent6"/>
-          </a:effectRef>
-          <a:fontRef idx="minor">
-            <a:schemeClr val="lt1"/>
-          </a:fontRef>
-        </p:style>
-        <p:txBody>
-          <a:bodyPr rtlCol="0" anchor="ctr"/>
-          <a:lstStyle/>
-          <a:p>
-            <a:pPr algn="ctr"/>
-            <a:r>
-              <a:rPr lang="en-US" altLang="ko-KR" dirty="0" smtClean="0"/>
-              <a:t>Component</a:t>
-            </a:r>
-            <a:endParaRPr lang="ko-KR" altLang="en-US" dirty="0"/>
-          </a:p>
-        </p:txBody>
-      </p:sp>
-      <p:sp>
-        <p:nvSpPr>
-          <p:cNvPr id="15" name="타원 14"/>
-          <p:cNvSpPr/>
-          <p:nvPr/>
-        </p:nvSpPr>
-        <p:spPr>
-          <a:xfrm>
-            <a:off x="4325241" y="2926080"/>
-            <a:ext cx="1463040" cy="1267968"/>
-          </a:xfrm>
-          <a:prstGeom prst="ellipse">
-            <a:avLst/>
-          </a:prstGeom>
-        </p:spPr>
-        <p:style>
-          <a:lnRef idx="2">
-            <a:schemeClr val="accent1">
-              <a:shade val="50000"/>
-            </a:schemeClr>
-          </a:lnRef>
-          <a:fillRef idx="1">
-            <a:schemeClr val="accent1"/>
-          </a:fillRef>
-          <a:effectRef idx="0">
-            <a:schemeClr val="accent1"/>
-          </a:effectRef>
-          <a:fontRef idx="minor">
-            <a:schemeClr val="lt1"/>
-          </a:fontRef>
-        </p:style>
-        <p:txBody>
-          <a:bodyPr rtlCol="0" anchor="ctr"/>
-          <a:lstStyle/>
-          <a:p>
-            <a:pPr algn="ctr"/>
-            <a:r>
-              <a:rPr lang="en-US" altLang="ko-KR" dirty="0" smtClean="0"/>
-              <a:t>Service</a:t>
-            </a:r>
-            <a:endParaRPr lang="ko-KR" altLang="en-US" dirty="0"/>
-          </a:p>
-        </p:txBody>
-      </p:sp>
-      <p:sp>
-        <p:nvSpPr>
-          <p:cNvPr id="16" name="타원 15"/>
-          <p:cNvSpPr/>
-          <p:nvPr/>
-        </p:nvSpPr>
-        <p:spPr>
-          <a:xfrm>
-            <a:off x="5035296" y="3285051"/>
-            <a:ext cx="1463040" cy="1267968"/>
-          </a:xfrm>
-          <a:prstGeom prst="ellipse">
-            <a:avLst/>
-          </a:prstGeom>
-        </p:spPr>
-        <p:style>
-          <a:lnRef idx="2">
-            <a:schemeClr val="accent1">
-              <a:shade val="50000"/>
-            </a:schemeClr>
-          </a:lnRef>
-          <a:fillRef idx="1">
-            <a:schemeClr val="accent1"/>
-          </a:fillRef>
-          <a:effectRef idx="0">
-            <a:schemeClr val="accent1"/>
-          </a:effectRef>
-          <a:fontRef idx="minor">
-            <a:schemeClr val="lt1"/>
-          </a:fontRef>
-        </p:style>
-        <p:txBody>
-          <a:bodyPr rtlCol="0" anchor="ctr"/>
-          <a:lstStyle/>
-          <a:p>
-            <a:pPr algn="ctr"/>
-            <a:r>
-              <a:rPr lang="en-US" altLang="ko-KR" dirty="0" smtClean="0"/>
-              <a:t>Service</a:t>
-            </a:r>
-            <a:endParaRPr lang="ko-KR" altLang="en-US" dirty="0"/>
-          </a:p>
-        </p:txBody>
-      </p:sp>
-      <p:sp>
-        <p:nvSpPr>
-          <p:cNvPr id="17" name="타원 16"/>
-          <p:cNvSpPr/>
-          <p:nvPr/>
-        </p:nvSpPr>
-        <p:spPr>
-          <a:xfrm>
-            <a:off x="4417707" y="4364736"/>
-            <a:ext cx="1463040" cy="1267968"/>
-          </a:xfrm>
-          <a:prstGeom prst="ellipse">
-            <a:avLst/>
-          </a:prstGeom>
-        </p:spPr>
-        <p:style>
-          <a:lnRef idx="2">
-            <a:schemeClr val="accent1">
-              <a:shade val="50000"/>
-            </a:schemeClr>
-          </a:lnRef>
-          <a:fillRef idx="1">
-            <a:schemeClr val="accent1"/>
-          </a:fillRef>
-          <a:effectRef idx="0">
-            <a:schemeClr val="accent1"/>
-          </a:effectRef>
-          <a:fontRef idx="minor">
-            <a:schemeClr val="lt1"/>
-          </a:fontRef>
-        </p:style>
-        <p:txBody>
-          <a:bodyPr rtlCol="0" anchor="ctr"/>
-          <a:lstStyle/>
-          <a:p>
-            <a:pPr algn="ctr"/>
-            <a:r>
-              <a:rPr lang="en-US" altLang="ko-KR" dirty="0" smtClean="0"/>
-              <a:t>Service</a:t>
-            </a:r>
-            <a:endParaRPr lang="ko-KR" altLang="en-US" dirty="0"/>
-          </a:p>
-        </p:txBody>
-      </p:sp>
-      <p:sp>
-        <p:nvSpPr>
-          <p:cNvPr id="18" name="타원 17"/>
-          <p:cNvSpPr/>
-          <p:nvPr/>
-        </p:nvSpPr>
-        <p:spPr>
-          <a:xfrm>
-            <a:off x="3960507" y="3645408"/>
-            <a:ext cx="1463040" cy="1267968"/>
-          </a:xfrm>
-          <a:prstGeom prst="ellipse">
-            <a:avLst/>
-          </a:prstGeom>
-        </p:spPr>
-        <p:style>
-          <a:lnRef idx="2">
-            <a:schemeClr val="accent1">
-              <a:shade val="50000"/>
-            </a:schemeClr>
-          </a:lnRef>
-          <a:fillRef idx="1">
-            <a:schemeClr val="accent1"/>
-          </a:fillRef>
-          <a:effectRef idx="0">
-            <a:schemeClr val="accent1"/>
-          </a:effectRef>
-          <a:fontRef idx="minor">
-            <a:schemeClr val="lt1"/>
-          </a:fontRef>
-        </p:style>
-        <p:txBody>
-          <a:bodyPr rtlCol="0" anchor="ctr"/>
-          <a:lstStyle/>
-          <a:p>
-            <a:pPr algn="ctr"/>
-            <a:r>
-              <a:rPr lang="en-US" altLang="ko-KR" dirty="0" smtClean="0"/>
-              <a:t>Service</a:t>
-            </a:r>
-            <a:endParaRPr lang="ko-KR" altLang="en-US" dirty="0"/>
-          </a:p>
-        </p:txBody>
-      </p:sp>
-      <p:cxnSp>
-        <p:nvCxnSpPr>
-          <p:cNvPr id="19" name="직선 화살표 연결선 18"/>
-          <p:cNvCxnSpPr>
-            <a:stCxn id="14" idx="3"/>
-            <a:endCxn id="18" idx="2"/>
-          </p:cNvCxnSpPr>
-          <p:nvPr/>
-        </p:nvCxnSpPr>
-        <p:spPr>
-          <a:xfrm>
-            <a:off x="2586087" y="4212683"/>
-            <a:ext cx="1374420" cy="66709"/>
-          </a:xfrm>
-          <a:prstGeom prst="straightConnector1">
-            <a:avLst/>
-          </a:prstGeom>
-          <a:ln>
-            <a:prstDash val="dash"/>
-            <a:tailEnd type="triangle"/>
-          </a:ln>
-        </p:spPr>
-        <p:style>
-          <a:lnRef idx="2">
-            <a:schemeClr val="accent6"/>
-          </a:lnRef>
-          <a:fillRef idx="0">
-            <a:schemeClr val="accent6"/>
-          </a:fillRef>
-          <a:effectRef idx="1">
-            <a:schemeClr val="accent6"/>
-          </a:effectRef>
-          <a:fontRef idx="minor">
-            <a:schemeClr val="tx1"/>
-          </a:fontRef>
-        </p:style>
-      </p:cxnSp>
-      <p:cxnSp>
-        <p:nvCxnSpPr>
-          <p:cNvPr id="21" name="직선 화살표 연결선 20"/>
-          <p:cNvCxnSpPr>
-            <a:stCxn id="14" idx="3"/>
-            <a:endCxn id="15" idx="2"/>
-          </p:cNvCxnSpPr>
-          <p:nvPr/>
-        </p:nvCxnSpPr>
-        <p:spPr>
-          <a:xfrm flipV="1">
-            <a:off x="2586087" y="3560064"/>
-            <a:ext cx="1739154" cy="652619"/>
-          </a:xfrm>
-          <a:prstGeom prst="straightConnector1">
-            <a:avLst/>
-          </a:prstGeom>
-          <a:ln>
-            <a:prstDash val="dash"/>
-            <a:tailEnd type="triangle"/>
-          </a:ln>
-        </p:spPr>
-        <p:style>
-          <a:lnRef idx="2">
-            <a:schemeClr val="accent6"/>
-          </a:lnRef>
-          <a:fillRef idx="0">
-            <a:schemeClr val="accent6"/>
-          </a:fillRef>
-          <a:effectRef idx="1">
-            <a:schemeClr val="accent6"/>
-          </a:effectRef>
-          <a:fontRef idx="minor">
-            <a:schemeClr val="tx1"/>
-          </a:fontRef>
-        </p:style>
-      </p:cxnSp>
-      <p:cxnSp>
-        <p:nvCxnSpPr>
-          <p:cNvPr id="24" name="직선 화살표 연결선 23"/>
-          <p:cNvCxnSpPr>
-            <a:stCxn id="14" idx="3"/>
-            <a:endCxn id="17" idx="2"/>
-          </p:cNvCxnSpPr>
-          <p:nvPr/>
-        </p:nvCxnSpPr>
-        <p:spPr>
-          <a:xfrm>
-            <a:off x="2586087" y="4212683"/>
-            <a:ext cx="1831620" cy="786037"/>
-          </a:xfrm>
-          <a:prstGeom prst="straightConnector1">
-            <a:avLst/>
-          </a:prstGeom>
-          <a:ln>
-            <a:prstDash val="dash"/>
-            <a:tailEnd type="triangle"/>
-          </a:ln>
-        </p:spPr>
-        <p:style>
-          <a:lnRef idx="2">
-            <a:schemeClr val="accent6"/>
-          </a:lnRef>
-          <a:fillRef idx="0">
-            <a:schemeClr val="accent6"/>
-          </a:fillRef>
-          <a:effectRef idx="1">
-            <a:schemeClr val="accent6"/>
-          </a:effectRef>
-          <a:fontRef idx="minor">
-            <a:schemeClr val="tx1"/>
-          </a:fontRef>
-        </p:style>
-      </p:cxnSp>
-      <p:cxnSp>
-        <p:nvCxnSpPr>
-          <p:cNvPr id="27" name="직선 화살표 연결선 26"/>
-          <p:cNvCxnSpPr>
-            <a:stCxn id="14" idx="3"/>
-            <a:endCxn id="16" idx="2"/>
-          </p:cNvCxnSpPr>
-          <p:nvPr/>
-        </p:nvCxnSpPr>
-        <p:spPr>
-          <a:xfrm flipV="1">
-            <a:off x="2586087" y="3919035"/>
-            <a:ext cx="2449209" cy="293648"/>
-          </a:xfrm>
-          <a:prstGeom prst="straightConnector1">
-            <a:avLst/>
-          </a:prstGeom>
-          <a:ln>
-            <a:prstDash val="dash"/>
-            <a:tailEnd type="triangle"/>
-          </a:ln>
-        </p:spPr>
-        <p:style>
-          <a:lnRef idx="2">
-            <a:schemeClr val="accent6"/>
-          </a:lnRef>
-          <a:fillRef idx="0">
-            <a:schemeClr val="accent6"/>
-          </a:fillRef>
-          <a:effectRef idx="1">
-            <a:schemeClr val="accent6"/>
-          </a:effectRef>
-          <a:fontRef idx="minor">
-            <a:schemeClr val="tx1"/>
-          </a:fontRef>
-        </p:style>
-      </p:cxnSp>
-      <p:sp>
-        <p:nvSpPr>
-          <p:cNvPr id="29" name="TextBox 28"/>
+              <a:rPr kumimoji="1" lang="en-US" altLang="ko-KR" smtClean="0"/>
+              <a:t>subscribe</a:t>
+            </a:r>
+            <a:endParaRPr kumimoji="1" lang="ko-KR" altLang="en-US" dirty="0"/>
+          </a:p>
+        </p:txBody>
+      </p:sp>
+      <p:sp>
+        <p:nvSpPr>
+          <p:cNvPr id="7" name="텍스트 상자 6"/>
           <p:cNvSpPr txBox="1"/>
           <p:nvPr/>
         </p:nvSpPr>
         <p:spPr>
-          <a:xfrm rot="20403431">
-            <a:off x="2796585" y="3472231"/>
-            <a:ext cx="1162498" cy="369332"/>
+          <a:xfrm>
+            <a:off x="2239051" y="3502372"/>
+            <a:ext cx="1983235" cy="553998"/>
           </a:xfrm>
           <a:prstGeom prst="rect">
             <a:avLst/>
@@ -8010,104 +7969,30 @@
           <a:lstStyle/>
           <a:p>
             <a:r>
-              <a:rPr lang="en-US" altLang="ko-KR" dirty="0" smtClean="0"/>
-              <a:t>subscribe</a:t>
-            </a:r>
-            <a:endParaRPr lang="ko-KR" altLang="en-US" dirty="0"/>
-          </a:p>
-        </p:txBody>
-      </p:sp>
-      <p:sp>
-        <p:nvSpPr>
-          <p:cNvPr id="36" name="타원 35"/>
-          <p:cNvSpPr/>
-          <p:nvPr/>
-        </p:nvSpPr>
-        <p:spPr>
-          <a:xfrm>
-            <a:off x="7680960" y="2693026"/>
-            <a:ext cx="1463040" cy="1267968"/>
-          </a:xfrm>
-          <a:prstGeom prst="ellipse">
-            <a:avLst/>
-          </a:prstGeom>
-        </p:spPr>
-        <p:style>
-          <a:lnRef idx="2">
-            <a:schemeClr val="accent1">
-              <a:shade val="50000"/>
-            </a:schemeClr>
-          </a:lnRef>
-          <a:fillRef idx="1">
-            <a:schemeClr val="accent1"/>
-          </a:fillRef>
-          <a:effectRef idx="0">
-            <a:schemeClr val="accent1"/>
-          </a:effectRef>
-          <a:fontRef idx="minor">
-            <a:schemeClr val="lt1"/>
-          </a:fontRef>
-        </p:style>
-        <p:txBody>
-          <a:bodyPr rtlCol="0" anchor="ctr"/>
-          <a:lstStyle/>
-          <a:p>
-            <a:pPr algn="ctr"/>
-            <a:r>
-              <a:rPr lang="en-US" altLang="ko-KR" dirty="0" smtClean="0"/>
-              <a:t>Service</a:t>
-            </a:r>
-            <a:endParaRPr lang="ko-KR" altLang="en-US" dirty="0"/>
-          </a:p>
-        </p:txBody>
-      </p:sp>
-      <p:cxnSp>
-        <p:nvCxnSpPr>
-          <p:cNvPr id="37" name="직선 화살표 연결선 36"/>
-          <p:cNvCxnSpPr>
-            <a:stCxn id="16" idx="6"/>
-            <a:endCxn id="36" idx="2"/>
-          </p:cNvCxnSpPr>
-          <p:nvPr/>
-        </p:nvCxnSpPr>
-        <p:spPr>
-          <a:xfrm flipV="1">
-            <a:off x="6498336" y="3327010"/>
-            <a:ext cx="1182624" cy="592025"/>
-          </a:xfrm>
-          <a:prstGeom prst="straightConnector1">
-            <a:avLst/>
-          </a:prstGeom>
-          <a:ln>
-            <a:prstDash val="dash"/>
-            <a:tailEnd type="triangle"/>
-          </a:ln>
-        </p:spPr>
-        <p:style>
-          <a:lnRef idx="2">
-            <a:schemeClr val="accent6"/>
-          </a:lnRef>
-          <a:fillRef idx="0">
-            <a:schemeClr val="accent6"/>
-          </a:fillRef>
-          <a:effectRef idx="1">
-            <a:schemeClr val="accent6"/>
-          </a:effectRef>
-          <a:fontRef idx="minor">
-            <a:schemeClr val="tx1"/>
-          </a:fontRef>
-        </p:style>
-      </p:cxnSp>
-      <p:sp>
-        <p:nvSpPr>
-          <p:cNvPr id="38" name="TextBox 37"/>
+              <a:rPr kumimoji="1" lang="ko-KR" altLang="en-US" sz="1500" dirty="0" smtClean="0"/>
+              <a:t>상태변화가 일어나는</a:t>
+            </a:r>
+            <a:endParaRPr kumimoji="1" lang="en-US" altLang="ko-KR" sz="1500" dirty="0" smtClean="0"/>
+          </a:p>
+          <a:p>
+            <a:r>
+              <a:rPr kumimoji="1" lang="ko-KR" altLang="en-US" sz="1500" dirty="0" smtClean="0"/>
+              <a:t>의존관계의 대상</a:t>
+            </a:r>
+            <a:endParaRPr kumimoji="1" lang="ko-KR" altLang="en-US" sz="1500" dirty="0"/>
+          </a:p>
+        </p:txBody>
+      </p:sp>
+      <p:sp>
+        <p:nvSpPr>
+          <p:cNvPr id="12" name="텍스트 상자 11"/>
           <p:cNvSpPr txBox="1"/>
           <p:nvPr/>
         </p:nvSpPr>
         <p:spPr>
-          <a:xfrm rot="20046106">
-            <a:off x="6440413" y="3201844"/>
-            <a:ext cx="1162498" cy="369332"/>
+          <a:xfrm>
+            <a:off x="6960004" y="3617789"/>
+            <a:ext cx="2502608" cy="323165"/>
           </a:xfrm>
           <a:prstGeom prst="rect">
             <a:avLst/>
@@ -8121,179 +8006,17 @@
           <a:lstStyle/>
           <a:p>
             <a:r>
-              <a:rPr lang="en-US" altLang="ko-KR" dirty="0" smtClean="0"/>
-              <a:t>subscribe</a:t>
-            </a:r>
-            <a:endParaRPr lang="ko-KR" altLang="en-US" dirty="0"/>
-          </a:p>
-        </p:txBody>
-      </p:sp>
-      <p:cxnSp>
-        <p:nvCxnSpPr>
-          <p:cNvPr id="44" name="직선 화살표 연결선 43"/>
-          <p:cNvCxnSpPr>
-            <a:stCxn id="54" idx="3"/>
-            <a:endCxn id="17" idx="2"/>
-          </p:cNvCxnSpPr>
-          <p:nvPr/>
-        </p:nvCxnSpPr>
-        <p:spPr>
-          <a:xfrm flipV="1">
-            <a:off x="2885718" y="4998720"/>
-            <a:ext cx="1531989" cy="129773"/>
-          </a:xfrm>
-          <a:prstGeom prst="straightConnector1">
-            <a:avLst/>
-          </a:prstGeom>
-          <a:ln>
-            <a:prstDash val="dash"/>
-            <a:tailEnd type="triangle"/>
-          </a:ln>
-        </p:spPr>
-        <p:style>
-          <a:lnRef idx="2">
-            <a:schemeClr val="accent6"/>
-          </a:lnRef>
-          <a:fillRef idx="0">
-            <a:schemeClr val="accent6"/>
-          </a:fillRef>
-          <a:effectRef idx="1">
-            <a:schemeClr val="accent6"/>
-          </a:effectRef>
-          <a:fontRef idx="minor">
-            <a:schemeClr val="tx1"/>
-          </a:fontRef>
-        </p:style>
-      </p:cxnSp>
-      <p:sp>
-        <p:nvSpPr>
-          <p:cNvPr id="54" name="직사각형 53"/>
-          <p:cNvSpPr/>
-          <p:nvPr/>
-        </p:nvSpPr>
-        <p:spPr>
-          <a:xfrm>
-            <a:off x="884401" y="4796375"/>
-            <a:ext cx="2001317" cy="664235"/>
-          </a:xfrm>
-          <a:prstGeom prst="rect">
-            <a:avLst/>
-          </a:prstGeom>
-        </p:spPr>
-        <p:style>
-          <a:lnRef idx="2">
-            <a:schemeClr val="accent6">
-              <a:shade val="50000"/>
-            </a:schemeClr>
-          </a:lnRef>
-          <a:fillRef idx="1">
-            <a:schemeClr val="accent6"/>
-          </a:fillRef>
-          <a:effectRef idx="0">
-            <a:schemeClr val="accent6"/>
-          </a:effectRef>
-          <a:fontRef idx="minor">
-            <a:schemeClr val="lt1"/>
-          </a:fontRef>
-        </p:style>
-        <p:txBody>
-          <a:bodyPr rtlCol="0" anchor="ctr"/>
-          <a:lstStyle/>
-          <a:p>
-            <a:pPr algn="ctr"/>
-            <a:r>
-              <a:rPr lang="en-US" altLang="ko-KR" dirty="0" smtClean="0"/>
-              <a:t>Component</a:t>
-            </a:r>
-            <a:endParaRPr lang="ko-KR" altLang="en-US" dirty="0"/>
-          </a:p>
-        </p:txBody>
-      </p:sp>
-      <p:sp>
-        <p:nvSpPr>
-          <p:cNvPr id="57" name="타원 56"/>
-          <p:cNvSpPr/>
-          <p:nvPr/>
-        </p:nvSpPr>
-        <p:spPr>
-          <a:xfrm>
-            <a:off x="6476871" y="4287244"/>
-            <a:ext cx="1463040" cy="1267968"/>
-          </a:xfrm>
-          <a:prstGeom prst="ellipse">
-            <a:avLst/>
-          </a:prstGeom>
-        </p:spPr>
-        <p:style>
-          <a:lnRef idx="2">
-            <a:schemeClr val="accent1">
-              <a:shade val="50000"/>
-            </a:schemeClr>
-          </a:lnRef>
-          <a:fillRef idx="1">
-            <a:schemeClr val="accent1"/>
-          </a:fillRef>
-          <a:effectRef idx="0">
-            <a:schemeClr val="accent1"/>
-          </a:effectRef>
-          <a:fontRef idx="minor">
-            <a:schemeClr val="lt1"/>
-          </a:fontRef>
-        </p:style>
-        <p:txBody>
-          <a:bodyPr rtlCol="0" anchor="ctr"/>
-          <a:lstStyle/>
-          <a:p>
-            <a:pPr algn="ctr"/>
-            <a:r>
-              <a:rPr lang="en-US" altLang="ko-KR" dirty="0" smtClean="0"/>
-              <a:t>Service</a:t>
-            </a:r>
-            <a:endParaRPr lang="ko-KR" altLang="en-US" dirty="0"/>
-          </a:p>
-        </p:txBody>
-      </p:sp>
-      <p:cxnSp>
-        <p:nvCxnSpPr>
-          <p:cNvPr id="58" name="직선 화살표 연결선 57"/>
-          <p:cNvCxnSpPr>
-            <a:stCxn id="57" idx="0"/>
-            <a:endCxn id="36" idx="2"/>
-          </p:cNvCxnSpPr>
-          <p:nvPr/>
-        </p:nvCxnSpPr>
-        <p:spPr>
-          <a:xfrm flipV="1">
-            <a:off x="7208391" y="3327010"/>
-            <a:ext cx="472569" cy="960234"/>
-          </a:xfrm>
-          <a:prstGeom prst="straightConnector1">
-            <a:avLst/>
-          </a:prstGeom>
-          <a:ln>
-            <a:prstDash val="dash"/>
-            <a:tailEnd type="triangle"/>
-          </a:ln>
-        </p:spPr>
-        <p:style>
-          <a:lnRef idx="2">
-            <a:schemeClr val="accent6"/>
-          </a:lnRef>
-          <a:fillRef idx="0">
-            <a:schemeClr val="accent6"/>
-          </a:fillRef>
-          <a:effectRef idx="1">
-            <a:schemeClr val="accent6"/>
-          </a:effectRef>
-          <a:fontRef idx="minor">
-            <a:schemeClr val="tx1"/>
-          </a:fontRef>
-        </p:style>
-      </p:cxnSp>
+              <a:rPr kumimoji="1" lang="ko-KR" altLang="en-US" sz="1500" smtClean="0"/>
+              <a:t>데이터를 얻고자 하는 대상</a:t>
+            </a:r>
+            <a:endParaRPr kumimoji="1" lang="ko-KR" altLang="en-US" sz="1500" dirty="0"/>
+          </a:p>
+        </p:txBody>
+      </p:sp>
     </p:spTree>
     <p:extLst>
       <p:ext uri="{BB962C8B-B14F-4D97-AF65-F5344CB8AC3E}">
-        <p14:creationId xmlns:p14="http://schemas.microsoft.com/office/powerpoint/2010/main" val="879529001"/>
+        <p14:creationId xmlns:p14="http://schemas.microsoft.com/office/powerpoint/2010/main" val="1893231298"/>
       </p:ext>
     </p:extLst>
   </p:cSld>
@@ -8335,21 +8058,23 @@
         </p:nvSpPr>
         <p:spPr>
           <a:xfrm>
-            <a:off x="708588" y="1482377"/>
-            <a:ext cx="2158343" cy="986910"/>
+            <a:off x="938784" y="755904"/>
+            <a:ext cx="2450592" cy="1097280"/>
           </a:xfrm>
           <a:prstGeom prst="rect">
             <a:avLst/>
           </a:prstGeom>
         </p:spPr>
         <p:style>
-          <a:lnRef idx="1">
-            <a:schemeClr val="accent6"/>
-          </a:lnRef>
-          <a:fillRef idx="3">
-            <a:schemeClr val="accent6"/>
-          </a:fillRef>
-          <a:effectRef idx="2">
+          <a:lnRef idx="2">
+            <a:schemeClr val="accent6">
+              <a:shade val="50000"/>
+            </a:schemeClr>
+          </a:lnRef>
+          <a:fillRef idx="1">
+            <a:schemeClr val="accent6"/>
+          </a:fillRef>
+          <a:effectRef idx="0">
             <a:schemeClr val="accent6"/>
           </a:effectRef>
           <a:fontRef idx="minor">
@@ -8362,45 +8087,87 @@
           <a:p>
             <a:pPr algn="ctr"/>
             <a:r>
-              <a:rPr lang="en-US" altLang="ko-KR" sz="2200" b="1" dirty="0" smtClean="0"/>
-              <a:t>Subject</a:t>
-            </a:r>
-            <a:endParaRPr lang="ko-KR" altLang="en-US" sz="2200" b="1" dirty="0"/>
+              <a:rPr lang="en-US" altLang="ko-KR" dirty="0" smtClean="0"/>
+              <a:t>Component</a:t>
+            </a:r>
+            <a:endParaRPr lang="ko-KR" altLang="en-US" dirty="0"/>
+          </a:p>
+        </p:txBody>
+      </p:sp>
+      <p:sp>
+        <p:nvSpPr>
+          <p:cNvPr id="5" name="타원 4"/>
+          <p:cNvSpPr/>
+          <p:nvPr/>
+        </p:nvSpPr>
+        <p:spPr>
+          <a:xfrm>
+            <a:off x="5766816" y="573024"/>
+            <a:ext cx="1463040" cy="1463040"/>
+          </a:xfrm>
+          <a:prstGeom prst="ellipse">
+            <a:avLst/>
+          </a:prstGeom>
+        </p:spPr>
+        <p:style>
+          <a:lnRef idx="2">
+            <a:schemeClr val="accent1">
+              <a:shade val="50000"/>
+            </a:schemeClr>
+          </a:lnRef>
+          <a:fillRef idx="1">
+            <a:schemeClr val="accent1"/>
+          </a:fillRef>
+          <a:effectRef idx="0">
+            <a:schemeClr val="accent1"/>
+          </a:effectRef>
+          <a:fontRef idx="minor">
+            <a:schemeClr val="lt1"/>
+          </a:fontRef>
+        </p:style>
+        <p:txBody>
+          <a:bodyPr rtlCol="0" anchor="ctr"/>
+          <a:lstStyle/>
+          <a:p>
+            <a:pPr algn="ctr"/>
+            <a:r>
+              <a:rPr lang="en-US" altLang="ko-KR" dirty="0" smtClean="0"/>
+              <a:t>Service</a:t>
+            </a:r>
+            <a:endParaRPr lang="ko-KR" altLang="en-US" dirty="0"/>
           </a:p>
         </p:txBody>
       </p:sp>
       <p:cxnSp>
         <p:nvCxnSpPr>
-          <p:cNvPr id="5" name="직선 화살표 연결선 4"/>
+          <p:cNvPr id="7" name="직선 화살표 연결선 6"/>
           <p:cNvCxnSpPr>
             <a:stCxn id="4" idx="3"/>
-            <a:endCxn id="6" idx="1"/>
           </p:cNvCxnSpPr>
           <p:nvPr/>
         </p:nvCxnSpPr>
         <p:spPr>
-          <a:xfrm flipV="1">
-            <a:off x="2866931" y="1861714"/>
-            <a:ext cx="2019526" cy="114118"/>
+          <a:xfrm>
+            <a:off x="3389376" y="1304544"/>
+            <a:ext cx="2377440" cy="0"/>
           </a:xfrm>
           <a:prstGeom prst="straightConnector1">
             <a:avLst/>
           </a:prstGeom>
-          <a:ln cmpd="dbl">
-            <a:prstDash val="sysDash"/>
-            <a:headEnd w="lg" len="lg"/>
-            <a:tailEnd type="triangle" w="lg" len="lg"/>
+          <a:ln>
+            <a:prstDash val="dash"/>
+            <a:tailEnd type="triangle"/>
           </a:ln>
         </p:spPr>
         <p:style>
-          <a:lnRef idx="3">
-            <a:schemeClr val="dk1"/>
+          <a:lnRef idx="2">
+            <a:schemeClr val="accent6"/>
           </a:lnRef>
           <a:fillRef idx="0">
-            <a:schemeClr val="dk1"/>
-          </a:fillRef>
-          <a:effectRef idx="2">
-            <a:schemeClr val="dk1"/>
+            <a:schemeClr val="accent6"/>
+          </a:fillRef>
+          <a:effectRef idx="1">
+            <a:schemeClr val="accent6"/>
           </a:effectRef>
           <a:fontRef idx="minor">
             <a:schemeClr val="tx1"/>
@@ -8409,28 +8176,138 @@
       </p:cxnSp>
       <p:sp>
         <p:nvSpPr>
-          <p:cNvPr id="6" name="직사각형 5"/>
+          <p:cNvPr id="9" name="TextBox 8"/>
+          <p:cNvSpPr txBox="1"/>
+          <p:nvPr/>
+        </p:nvSpPr>
+        <p:spPr>
+          <a:xfrm>
+            <a:off x="4069999" y="935212"/>
+            <a:ext cx="1162498" cy="369332"/>
+          </a:xfrm>
+          <a:prstGeom prst="rect">
+            <a:avLst/>
+          </a:prstGeom>
+          <a:noFill/>
+        </p:spPr>
+        <p:txBody>
+          <a:bodyPr wrap="none" rtlCol="0">
+            <a:spAutoFit/>
+          </a:bodyPr>
+          <a:lstStyle/>
+          <a:p>
+            <a:r>
+              <a:rPr lang="en-US" altLang="ko-KR" dirty="0" smtClean="0"/>
+              <a:t>subscribe</a:t>
+            </a:r>
+            <a:endParaRPr lang="ko-KR" altLang="en-US" dirty="0"/>
+          </a:p>
+        </p:txBody>
+      </p:sp>
+      <p:sp>
+        <p:nvSpPr>
+          <p:cNvPr id="12" name="오른쪽 화살표 11"/>
           <p:cNvSpPr/>
           <p:nvPr/>
         </p:nvSpPr>
         <p:spPr>
-          <a:xfrm>
-            <a:off x="4886457" y="1368259"/>
-            <a:ext cx="2158343" cy="986910"/>
+          <a:xfrm rot="10800000">
+            <a:off x="3627120" y="1463038"/>
+            <a:ext cx="1944624" cy="210837"/>
+          </a:xfrm>
+          <a:prstGeom prst="rightArrow">
+            <a:avLst/>
+          </a:prstGeom>
+        </p:spPr>
+        <p:style>
+          <a:lnRef idx="2">
+            <a:schemeClr val="accent4">
+              <a:shade val="50000"/>
+            </a:schemeClr>
+          </a:lnRef>
+          <a:fillRef idx="1">
+            <a:schemeClr val="accent4"/>
+          </a:fillRef>
+          <a:effectRef idx="0">
+            <a:schemeClr val="accent4"/>
+          </a:effectRef>
+          <a:fontRef idx="minor">
+            <a:schemeClr val="lt1"/>
+          </a:fontRef>
+        </p:style>
+        <p:txBody>
+          <a:bodyPr rtlCol="0" anchor="ctr"/>
+          <a:lstStyle/>
+          <a:p>
+            <a:pPr algn="ctr"/>
+            <a:endParaRPr lang="ko-KR" altLang="en-US"/>
+          </a:p>
+        </p:txBody>
+      </p:sp>
+      <p:sp>
+        <p:nvSpPr>
+          <p:cNvPr id="13" name="TextBox 12"/>
+          <p:cNvSpPr txBox="1"/>
+          <p:nvPr/>
+        </p:nvSpPr>
+        <p:spPr>
+          <a:xfrm>
+            <a:off x="3930894" y="1710448"/>
+            <a:ext cx="1420582" cy="369332"/>
           </a:xfrm>
           <a:prstGeom prst="rect">
             <a:avLst/>
           </a:prstGeom>
-        </p:spPr>
-        <p:style>
-          <a:lnRef idx="1">
-            <a:schemeClr val="accent4"/>
-          </a:lnRef>
-          <a:fillRef idx="3">
-            <a:schemeClr val="accent4"/>
-          </a:fillRef>
-          <a:effectRef idx="2">
-            <a:schemeClr val="accent4"/>
+          <a:noFill/>
+        </p:spPr>
+        <p:txBody>
+          <a:bodyPr wrap="none" rtlCol="0">
+            <a:spAutoFit/>
+          </a:bodyPr>
+          <a:lstStyle/>
+          <a:p>
+            <a:r>
+              <a:rPr lang="ko-KR" altLang="en-US" b="1" dirty="0" smtClean="0">
+                <a:solidFill>
+                  <a:srgbClr val="FFC000"/>
+                </a:solidFill>
+              </a:rPr>
+              <a:t>데이터 흐름</a:t>
+            </a:r>
+            <a:endParaRPr lang="ko-KR" altLang="en-US" b="1" dirty="0">
+              <a:solidFill>
+                <a:srgbClr val="FFC000"/>
+              </a:solidFill>
+            </a:endParaRPr>
+          </a:p>
+        </p:txBody>
+      </p:sp>
+      <p:sp>
+        <p:nvSpPr>
+          <p:cNvPr id="14" name="직사각형 13"/>
+          <p:cNvSpPr/>
+          <p:nvPr/>
+        </p:nvSpPr>
+        <p:spPr>
+          <a:xfrm>
+            <a:off x="584770" y="3851841"/>
+            <a:ext cx="2001317" cy="721683"/>
+          </a:xfrm>
+          <a:prstGeom prst="rect">
+            <a:avLst/>
+          </a:prstGeom>
+        </p:spPr>
+        <p:style>
+          <a:lnRef idx="2">
+            <a:schemeClr val="accent6">
+              <a:shade val="50000"/>
+            </a:schemeClr>
+          </a:lnRef>
+          <a:fillRef idx="1">
+            <a:schemeClr val="accent6"/>
+          </a:fillRef>
+          <a:effectRef idx="0">
+            <a:schemeClr val="accent6"/>
           </a:effectRef>
           <a:fontRef idx="minor">
             <a:schemeClr val="lt1"/>
@@ -8442,37 +8319,83 @@
           <a:p>
             <a:pPr algn="ctr"/>
             <a:r>
-              <a:rPr lang="ko-KR" altLang="en-US" sz="2200" b="1" dirty="0" smtClean="0"/>
-              <a:t>분기문</a:t>
-            </a:r>
-            <a:endParaRPr lang="en-US" altLang="ko-KR" sz="2200" b="1" dirty="0" smtClean="0"/>
-          </a:p>
-        </p:txBody>
-      </p:sp>
-      <p:sp>
-        <p:nvSpPr>
-          <p:cNvPr id="8" name="타원 7"/>
+              <a:rPr lang="en-US" altLang="ko-KR" dirty="0" smtClean="0"/>
+              <a:t>Component</a:t>
+            </a:r>
+            <a:endParaRPr lang="ko-KR" altLang="en-US" dirty="0"/>
+          </a:p>
+        </p:txBody>
+      </p:sp>
+      <p:sp>
+        <p:nvSpPr>
+          <p:cNvPr id="15" name="타원 14"/>
           <p:cNvSpPr/>
           <p:nvPr/>
         </p:nvSpPr>
         <p:spPr>
           <a:xfrm>
-            <a:off x="9203143" y="1009762"/>
-            <a:ext cx="2158343" cy="986910"/>
+            <a:off x="4325241" y="2926080"/>
+            <a:ext cx="1463040" cy="1267968"/>
           </a:xfrm>
           <a:prstGeom prst="ellipse">
             <a:avLst/>
           </a:prstGeom>
         </p:spPr>
         <p:style>
-          <a:lnRef idx="1">
+          <a:lnRef idx="2">
+            <a:schemeClr val="accent1">
+              <a:shade val="50000"/>
+            </a:schemeClr>
+          </a:lnRef>
+          <a:fillRef idx="1">
             <a:schemeClr val="accent1"/>
-          </a:lnRef>
-          <a:fillRef idx="3">
+          </a:fillRef>
+          <a:effectRef idx="0">
             <a:schemeClr val="accent1"/>
-          </a:fillRef>
-          <a:effectRef idx="2">
+          </a:effectRef>
+          <a:fontRef idx="minor">
+            <a:schemeClr val="lt1"/>
+          </a:fontRef>
+        </p:style>
+        <p:txBody>
+          <a:bodyPr rtlCol="0" anchor="ctr"/>
+          <a:lstStyle/>
+          <a:p>
+            <a:pPr algn="ctr"/>
+            <a:r>
+              <a:rPr lang="en-US" altLang="ko-KR" dirty="0" smtClean="0"/>
+              <a:t>Service</a:t>
+            </a:r>
+            <a:endParaRPr lang="ko-KR" altLang="en-US" dirty="0"/>
+          </a:p>
+        </p:txBody>
+      </p:sp>
+      <p:sp>
+        <p:nvSpPr>
+          <p:cNvPr id="16" name="타원 15"/>
+          <p:cNvSpPr/>
+          <p:nvPr/>
+        </p:nvSpPr>
+        <p:spPr>
+          <a:xfrm>
+            <a:off x="5035296" y="3285051"/>
+            <a:ext cx="1463040" cy="1267968"/>
+          </a:xfrm>
+          <a:prstGeom prst="ellipse">
+            <a:avLst/>
+          </a:prstGeom>
+        </p:spPr>
+        <p:style>
+          <a:lnRef idx="2">
+            <a:schemeClr val="accent1">
+              <a:shade val="50000"/>
+            </a:schemeClr>
+          </a:lnRef>
+          <a:fillRef idx="1">
             <a:schemeClr val="accent1"/>
+          </a:fillRef>
+          <a:effectRef idx="0">
+            <a:schemeClr val="accent1"/>
           </a:effectRef>
           <a:fontRef idx="minor">
             <a:schemeClr val="lt1"/>
@@ -8484,87 +8407,10 @@
           <a:p>
             <a:pPr algn="ctr"/>
             <a:r>
-              <a:rPr lang="en-US" altLang="ko-KR" sz="2200" b="1" dirty="0" smtClean="0"/>
-              <a:t>Observer</a:t>
-            </a:r>
-            <a:endParaRPr lang="ko-KR" altLang="en-US" sz="2200" b="1" dirty="0"/>
-          </a:p>
-        </p:txBody>
-      </p:sp>
-      <p:cxnSp>
-        <p:nvCxnSpPr>
-          <p:cNvPr id="13" name="직선 화살표 연결선 12"/>
-          <p:cNvCxnSpPr/>
-          <p:nvPr/>
-        </p:nvCxnSpPr>
-        <p:spPr>
-          <a:xfrm>
-            <a:off x="7044800" y="1503217"/>
-            <a:ext cx="2004447" cy="0"/>
-          </a:xfrm>
-          <a:prstGeom prst="straightConnector1">
-            <a:avLst/>
-          </a:prstGeom>
-          <a:ln cmpd="dbl">
-            <a:prstDash val="sysDash"/>
-            <a:headEnd w="lg" len="lg"/>
-            <a:tailEnd type="triangle" w="lg" len="lg"/>
-          </a:ln>
-        </p:spPr>
-        <p:style>
-          <a:lnRef idx="3">
-            <a:schemeClr val="dk1"/>
-          </a:lnRef>
-          <a:fillRef idx="0">
-            <a:schemeClr val="dk1"/>
-          </a:fillRef>
-          <a:effectRef idx="2">
-            <a:schemeClr val="dk1"/>
-          </a:effectRef>
-          <a:fontRef idx="minor">
-            <a:schemeClr val="tx1"/>
-          </a:fontRef>
-        </p:style>
-      </p:cxnSp>
-      <p:sp>
-        <p:nvSpPr>
-          <p:cNvPr id="15" name="직사각형 14"/>
-          <p:cNvSpPr/>
-          <p:nvPr/>
-        </p:nvSpPr>
-        <p:spPr>
-          <a:xfrm>
-            <a:off x="5130297" y="1645713"/>
-            <a:ext cx="2158343" cy="986910"/>
-          </a:xfrm>
-          <a:prstGeom prst="rect">
-            <a:avLst/>
-          </a:prstGeom>
-        </p:spPr>
-        <p:style>
-          <a:lnRef idx="1">
-            <a:schemeClr val="accent4"/>
-          </a:lnRef>
-          <a:fillRef idx="3">
-            <a:schemeClr val="accent4"/>
-          </a:fillRef>
-          <a:effectRef idx="2">
-            <a:schemeClr val="accent4"/>
-          </a:effectRef>
-          <a:fontRef idx="minor">
-            <a:schemeClr val="lt1"/>
-          </a:fontRef>
-        </p:style>
-        <p:txBody>
-          <a:bodyPr rtlCol="0" anchor="ctr"/>
-          <a:lstStyle/>
-          <a:p>
-            <a:pPr algn="ctr"/>
-            <a:r>
-              <a:rPr lang="ko-KR" altLang="en-US" sz="2200" b="1" dirty="0" smtClean="0"/>
-              <a:t>분기문</a:t>
-            </a:r>
-            <a:endParaRPr lang="en-US" altLang="ko-KR" sz="2200" b="1" dirty="0" smtClean="0"/>
+              <a:rPr lang="en-US" altLang="ko-KR" dirty="0" smtClean="0"/>
+              <a:t>Service</a:t>
+            </a:r>
+            <a:endParaRPr lang="ko-KR" altLang="en-US" dirty="0"/>
           </a:p>
         </p:txBody>
       </p:sp>
@@ -8576,22 +8422,68 @@
         </p:nvSpPr>
         <p:spPr>
           <a:xfrm>
-            <a:off x="9413190" y="1469821"/>
-            <a:ext cx="2158343" cy="986910"/>
+            <a:off x="4417707" y="4364736"/>
+            <a:ext cx="1463040" cy="1267968"/>
           </a:xfrm>
           <a:prstGeom prst="ellipse">
             <a:avLst/>
           </a:prstGeom>
         </p:spPr>
         <p:style>
-          <a:lnRef idx="1">
+          <a:lnRef idx="2">
+            <a:schemeClr val="accent1">
+              <a:shade val="50000"/>
+            </a:schemeClr>
+          </a:lnRef>
+          <a:fillRef idx="1">
             <a:schemeClr val="accent1"/>
-          </a:lnRef>
-          <a:fillRef idx="3">
+          </a:fillRef>
+          <a:effectRef idx="0">
             <a:schemeClr val="accent1"/>
-          </a:fillRef>
-          <a:effectRef idx="2">
+          </a:effectRef>
+          <a:fontRef idx="minor">
+            <a:schemeClr val="lt1"/>
+          </a:fontRef>
+        </p:style>
+        <p:txBody>
+          <a:bodyPr rtlCol="0" anchor="ctr"/>
+          <a:lstStyle/>
+          <a:p>
+            <a:pPr algn="ctr"/>
+            <a:r>
+              <a:rPr lang="en-US" altLang="ko-KR" dirty="0" smtClean="0"/>
+              <a:t>Service</a:t>
+            </a:r>
+            <a:endParaRPr lang="ko-KR" altLang="en-US" dirty="0"/>
+          </a:p>
+        </p:txBody>
+      </p:sp>
+      <p:sp>
+        <p:nvSpPr>
+          <p:cNvPr id="18" name="타원 17"/>
+          <p:cNvSpPr/>
+          <p:nvPr/>
+        </p:nvSpPr>
+        <p:spPr>
+          <a:xfrm>
+            <a:off x="3960507" y="3645408"/>
+            <a:ext cx="1463040" cy="1267968"/>
+          </a:xfrm>
+          <a:prstGeom prst="ellipse">
+            <a:avLst/>
+          </a:prstGeom>
+        </p:spPr>
+        <p:style>
+          <a:lnRef idx="2">
+            <a:schemeClr val="accent1">
+              <a:shade val="50000"/>
+            </a:schemeClr>
+          </a:lnRef>
+          <a:fillRef idx="1">
             <a:schemeClr val="accent1"/>
+          </a:fillRef>
+          <a:effectRef idx="0">
+            <a:schemeClr val="accent1"/>
           </a:effectRef>
           <a:fontRef idx="minor">
             <a:schemeClr val="lt1"/>
@@ -8603,199 +8495,81 @@
           <a:p>
             <a:pPr algn="ctr"/>
             <a:r>
-              <a:rPr lang="en-US" altLang="ko-KR" sz="2200" b="1" dirty="0" smtClean="0"/>
-              <a:t>Observer</a:t>
-            </a:r>
-            <a:endParaRPr lang="ko-KR" altLang="en-US" sz="2200" b="1" dirty="0"/>
-          </a:p>
-        </p:txBody>
-      </p:sp>
-      <p:cxnSp>
-        <p:nvCxnSpPr>
-          <p:cNvPr id="18" name="직선 화살표 연결선 17"/>
-          <p:cNvCxnSpPr/>
-          <p:nvPr/>
-        </p:nvCxnSpPr>
-        <p:spPr>
-          <a:xfrm>
-            <a:off x="7288640" y="2002240"/>
-            <a:ext cx="2004447" cy="0"/>
-          </a:xfrm>
-          <a:prstGeom prst="straightConnector1">
-            <a:avLst/>
-          </a:prstGeom>
-          <a:ln cmpd="dbl">
-            <a:prstDash val="sysDash"/>
-            <a:headEnd w="lg" len="lg"/>
-            <a:tailEnd type="triangle" w="lg" len="lg"/>
-          </a:ln>
-        </p:spPr>
-        <p:style>
-          <a:lnRef idx="3">
-            <a:schemeClr val="dk1"/>
-          </a:lnRef>
-          <a:fillRef idx="0">
-            <a:schemeClr val="dk1"/>
-          </a:fillRef>
-          <a:effectRef idx="2">
-            <a:schemeClr val="dk1"/>
-          </a:effectRef>
-          <a:fontRef idx="minor">
-            <a:schemeClr val="tx1"/>
-          </a:fontRef>
-        </p:style>
-      </p:cxnSp>
-      <p:sp>
-        <p:nvSpPr>
-          <p:cNvPr id="16" name="직사각형 15"/>
-          <p:cNvSpPr/>
-          <p:nvPr/>
-        </p:nvSpPr>
-        <p:spPr>
-          <a:xfrm>
-            <a:off x="5374137" y="1917324"/>
-            <a:ext cx="2158343" cy="986910"/>
-          </a:xfrm>
-          <a:prstGeom prst="rect">
-            <a:avLst/>
-          </a:prstGeom>
-        </p:spPr>
-        <p:style>
-          <a:lnRef idx="1">
-            <a:schemeClr val="accent4"/>
-          </a:lnRef>
-          <a:fillRef idx="3">
-            <a:schemeClr val="accent4"/>
-          </a:fillRef>
-          <a:effectRef idx="2">
-            <a:schemeClr val="accent4"/>
-          </a:effectRef>
-          <a:fontRef idx="minor">
-            <a:schemeClr val="lt1"/>
-          </a:fontRef>
-        </p:style>
-        <p:txBody>
-          <a:bodyPr rtlCol="0" anchor="ctr"/>
-          <a:lstStyle/>
-          <a:p>
-            <a:pPr algn="ctr"/>
-            <a:r>
-              <a:rPr lang="ko-KR" altLang="en-US" sz="2200" b="1" dirty="0" smtClean="0"/>
-              <a:t>데이터 변형</a:t>
-            </a:r>
-            <a:endParaRPr lang="en-US" altLang="ko-KR" sz="2200" b="1" dirty="0" smtClean="0"/>
+              <a:rPr lang="en-US" altLang="ko-KR" dirty="0" smtClean="0"/>
+              <a:t>Service</a:t>
+            </a:r>
+            <a:endParaRPr lang="ko-KR" altLang="en-US" dirty="0"/>
           </a:p>
         </p:txBody>
       </p:sp>
       <p:cxnSp>
         <p:nvCxnSpPr>
           <p:cNvPr id="19" name="직선 화살표 연결선 18"/>
-          <p:cNvCxnSpPr/>
+          <p:cNvCxnSpPr>
+            <a:stCxn id="14" idx="3"/>
+            <a:endCxn id="18" idx="2"/>
+          </p:cNvCxnSpPr>
           <p:nvPr/>
         </p:nvCxnSpPr>
         <p:spPr>
           <a:xfrm>
-            <a:off x="7532480" y="2410779"/>
-            <a:ext cx="2004447" cy="0"/>
+            <a:off x="2586087" y="4212683"/>
+            <a:ext cx="1374420" cy="66709"/>
           </a:xfrm>
           <a:prstGeom prst="straightConnector1">
             <a:avLst/>
           </a:prstGeom>
-          <a:ln cmpd="dbl">
-            <a:prstDash val="sysDash"/>
-            <a:headEnd w="lg" len="lg"/>
-            <a:tailEnd type="triangle" w="lg" len="lg"/>
+          <a:ln>
+            <a:prstDash val="dash"/>
+            <a:tailEnd type="triangle"/>
           </a:ln>
         </p:spPr>
         <p:style>
-          <a:lnRef idx="3">
-            <a:schemeClr val="dk1"/>
+          <a:lnRef idx="2">
+            <a:schemeClr val="accent6"/>
           </a:lnRef>
           <a:fillRef idx="0">
-            <a:schemeClr val="dk1"/>
-          </a:fillRef>
-          <a:effectRef idx="2">
-            <a:schemeClr val="dk1"/>
+            <a:schemeClr val="accent6"/>
+          </a:fillRef>
+          <a:effectRef idx="1">
+            <a:schemeClr val="accent6"/>
           </a:effectRef>
           <a:fontRef idx="minor">
             <a:schemeClr val="tx1"/>
           </a:fontRef>
         </p:style>
       </p:cxnSp>
-      <p:sp>
-        <p:nvSpPr>
-          <p:cNvPr id="20" name="타원 19"/>
-          <p:cNvSpPr/>
-          <p:nvPr/>
-        </p:nvSpPr>
-        <p:spPr>
-          <a:xfrm>
-            <a:off x="9657030" y="1963276"/>
-            <a:ext cx="2158343" cy="986910"/>
-          </a:xfrm>
-          <a:prstGeom prst="ellipse">
-            <a:avLst/>
-          </a:prstGeom>
-        </p:spPr>
-        <p:style>
-          <a:lnRef idx="1">
-            <a:schemeClr val="accent1"/>
-          </a:lnRef>
-          <a:fillRef idx="3">
-            <a:schemeClr val="accent1"/>
-          </a:fillRef>
-          <a:effectRef idx="2">
-            <a:schemeClr val="accent1"/>
-          </a:effectRef>
-          <a:fontRef idx="minor">
-            <a:schemeClr val="lt1"/>
-          </a:fontRef>
-        </p:style>
-        <p:txBody>
-          <a:bodyPr rtlCol="0" anchor="ctr"/>
-          <a:lstStyle/>
-          <a:p>
-            <a:pPr algn="ctr"/>
-            <a:r>
-              <a:rPr lang="en-US" altLang="ko-KR" sz="2200" b="1" dirty="0" smtClean="0"/>
-              <a:t>Observer</a:t>
-            </a:r>
-            <a:endParaRPr lang="ko-KR" altLang="en-US" sz="2200" b="1" dirty="0"/>
-          </a:p>
-        </p:txBody>
-      </p:sp>
       <p:cxnSp>
         <p:nvCxnSpPr>
           <p:cNvPr id="21" name="직선 화살표 연결선 20"/>
           <p:cNvCxnSpPr>
-            <a:stCxn id="4" idx="3"/>
-            <a:endCxn id="15" idx="1"/>
+            <a:stCxn id="14" idx="3"/>
+            <a:endCxn id="15" idx="2"/>
           </p:cNvCxnSpPr>
           <p:nvPr/>
         </p:nvCxnSpPr>
         <p:spPr>
-          <a:xfrm>
-            <a:off x="2866931" y="1975832"/>
-            <a:ext cx="2263366" cy="163336"/>
+          <a:xfrm flipV="1">
+            <a:off x="2586087" y="3560064"/>
+            <a:ext cx="1739154" cy="652619"/>
           </a:xfrm>
           <a:prstGeom prst="straightConnector1">
             <a:avLst/>
           </a:prstGeom>
-          <a:ln cmpd="dbl">
-            <a:prstDash val="sysDash"/>
-            <a:headEnd w="lg" len="lg"/>
-            <a:tailEnd type="triangle" w="lg" len="lg"/>
+          <a:ln>
+            <a:prstDash val="dash"/>
+            <a:tailEnd type="triangle"/>
           </a:ln>
         </p:spPr>
         <p:style>
-          <a:lnRef idx="3">
-            <a:schemeClr val="dk1"/>
+          <a:lnRef idx="2">
+            <a:schemeClr val="accent6"/>
           </a:lnRef>
           <a:fillRef idx="0">
-            <a:schemeClr val="dk1"/>
-          </a:fillRef>
-          <a:effectRef idx="2">
-            <a:schemeClr val="dk1"/>
+            <a:schemeClr val="accent6"/>
+          </a:fillRef>
+          <a:effectRef idx="1">
+            <a:schemeClr val="accent6"/>
           </a:effectRef>
           <a:fontRef idx="minor">
             <a:schemeClr val="tx1"/>
@@ -8806,202 +8580,33 @@
         <p:nvCxnSpPr>
           <p:cNvPr id="24" name="직선 화살표 연결선 23"/>
           <p:cNvCxnSpPr>
-            <a:stCxn id="4" idx="3"/>
-            <a:endCxn id="16" idx="1"/>
+            <a:stCxn id="14" idx="3"/>
+            <a:endCxn id="17" idx="2"/>
           </p:cNvCxnSpPr>
           <p:nvPr/>
         </p:nvCxnSpPr>
         <p:spPr>
           <a:xfrm>
-            <a:off x="2866931" y="1975832"/>
-            <a:ext cx="2507206" cy="434947"/>
+            <a:off x="2586087" y="4212683"/>
+            <a:ext cx="1831620" cy="786037"/>
           </a:xfrm>
           <a:prstGeom prst="straightConnector1">
             <a:avLst/>
           </a:prstGeom>
-          <a:ln cmpd="dbl">
-            <a:prstDash val="sysDash"/>
-            <a:headEnd w="lg" len="lg"/>
-            <a:tailEnd type="triangle" w="lg" len="lg"/>
+          <a:ln>
+            <a:prstDash val="dash"/>
+            <a:tailEnd type="triangle"/>
           </a:ln>
         </p:spPr>
         <p:style>
-          <a:lnRef idx="3">
-            <a:schemeClr val="dk1"/>
+          <a:lnRef idx="2">
+            <a:schemeClr val="accent6"/>
           </a:lnRef>
           <a:fillRef idx="0">
-            <a:schemeClr val="dk1"/>
-          </a:fillRef>
-          <a:effectRef idx="2">
-            <a:schemeClr val="dk1"/>
-          </a:effectRef>
-          <a:fontRef idx="minor">
-            <a:schemeClr val="tx1"/>
-          </a:fontRef>
-        </p:style>
-      </p:cxnSp>
-      <p:sp>
-        <p:nvSpPr>
-          <p:cNvPr id="27" name="직사각형 26"/>
-          <p:cNvSpPr/>
-          <p:nvPr/>
-        </p:nvSpPr>
-        <p:spPr>
-          <a:xfrm>
-            <a:off x="708588" y="3849657"/>
-            <a:ext cx="2158343" cy="986910"/>
-          </a:xfrm>
-          <a:prstGeom prst="rect">
-            <a:avLst/>
-          </a:prstGeom>
-        </p:spPr>
-        <p:style>
-          <a:lnRef idx="1">
-            <a:schemeClr val="accent6"/>
-          </a:lnRef>
-          <a:fillRef idx="3">
-            <a:schemeClr val="accent6"/>
-          </a:fillRef>
-          <a:effectRef idx="2">
-            <a:schemeClr val="accent6"/>
-          </a:effectRef>
-          <a:fontRef idx="minor">
-            <a:schemeClr val="lt1"/>
-          </a:fontRef>
-        </p:style>
-        <p:txBody>
-          <a:bodyPr rtlCol="0" anchor="ctr"/>
-          <a:lstStyle/>
-          <a:p>
-            <a:pPr algn="ctr"/>
-            <a:r>
-              <a:rPr lang="en-US" altLang="ko-KR" sz="2200" b="1" dirty="0" smtClean="0"/>
-              <a:t>Subject1</a:t>
-            </a:r>
-            <a:endParaRPr lang="ko-KR" altLang="en-US" sz="2200" b="1" dirty="0"/>
-          </a:p>
-        </p:txBody>
-      </p:sp>
-      <p:sp>
-        <p:nvSpPr>
-          <p:cNvPr id="29" name="직사각형 28"/>
-          <p:cNvSpPr/>
-          <p:nvPr/>
-        </p:nvSpPr>
-        <p:spPr>
-          <a:xfrm>
-            <a:off x="3533178" y="3849657"/>
-            <a:ext cx="2158343" cy="986910"/>
-          </a:xfrm>
-          <a:prstGeom prst="rect">
-            <a:avLst/>
-          </a:prstGeom>
-        </p:spPr>
-        <p:style>
-          <a:lnRef idx="1">
-            <a:schemeClr val="accent4"/>
-          </a:lnRef>
-          <a:fillRef idx="3">
-            <a:schemeClr val="accent4"/>
-          </a:fillRef>
-          <a:effectRef idx="2">
-            <a:schemeClr val="accent4"/>
-          </a:effectRef>
-          <a:fontRef idx="minor">
-            <a:schemeClr val="lt1"/>
-          </a:fontRef>
-        </p:style>
-        <p:txBody>
-          <a:bodyPr rtlCol="0" anchor="ctr"/>
-          <a:lstStyle/>
-          <a:p>
-            <a:pPr algn="ctr"/>
-            <a:r>
-              <a:rPr lang="en-US" altLang="ko-KR" sz="2200" b="1" smtClean="0"/>
-              <a:t>Subject2</a:t>
-            </a:r>
-            <a:endParaRPr lang="en-US" altLang="ko-KR" sz="2200" b="1" dirty="0" smtClean="0"/>
-          </a:p>
-        </p:txBody>
-      </p:sp>
-      <p:sp>
-        <p:nvSpPr>
-          <p:cNvPr id="30" name="직사각형 29"/>
-          <p:cNvSpPr/>
-          <p:nvPr/>
-        </p:nvSpPr>
-        <p:spPr>
-          <a:xfrm>
-            <a:off x="6357768" y="3849657"/>
-            <a:ext cx="2158343" cy="986910"/>
-          </a:xfrm>
-          <a:prstGeom prst="rect">
-            <a:avLst/>
-          </a:prstGeom>
-        </p:spPr>
-        <p:style>
-          <a:lnRef idx="0">
-            <a:schemeClr val="accent5"/>
-          </a:lnRef>
-          <a:fillRef idx="3">
-            <a:schemeClr val="accent5"/>
-          </a:fillRef>
-          <a:effectRef idx="3">
-            <a:schemeClr val="accent5"/>
-          </a:effectRef>
-          <a:fontRef idx="minor">
-            <a:schemeClr val="lt1"/>
-          </a:fontRef>
-        </p:style>
-        <p:txBody>
-          <a:bodyPr rtlCol="0" anchor="ctr"/>
-          <a:lstStyle/>
-          <a:p>
-            <a:pPr algn="ctr"/>
-            <a:r>
-              <a:rPr lang="en-US" altLang="ko-KR" sz="2200" b="1" dirty="0" smtClean="0"/>
-              <a:t>Subject</a:t>
-            </a:r>
-            <a:r>
-              <a:rPr lang="is-IS" altLang="ko-KR" sz="2200" b="1" dirty="0" smtClean="0"/>
-              <a:t>3</a:t>
-            </a:r>
-            <a:endParaRPr lang="en-US" altLang="ko-KR" sz="2200" b="1" dirty="0" smtClean="0"/>
-          </a:p>
-        </p:txBody>
-      </p:sp>
-      <p:cxnSp>
-        <p:nvCxnSpPr>
-          <p:cNvPr id="31" name="직선 화살표 연결선 30"/>
-          <p:cNvCxnSpPr>
-            <a:stCxn id="30" idx="1"/>
-            <a:endCxn id="29" idx="3"/>
-          </p:cNvCxnSpPr>
-          <p:nvPr/>
-        </p:nvCxnSpPr>
-        <p:spPr>
-          <a:xfrm flipH="1">
-            <a:off x="5691521" y="4343112"/>
-            <a:ext cx="666247" cy="0"/>
-          </a:xfrm>
-          <a:prstGeom prst="straightConnector1">
-            <a:avLst/>
-          </a:prstGeom>
-          <a:ln cmpd="dbl">
-            <a:prstDash val="sysDash"/>
-            <a:headEnd w="lg" len="lg"/>
-            <a:tailEnd type="triangle" w="lg" len="lg"/>
-          </a:ln>
-        </p:spPr>
-        <p:style>
-          <a:lnRef idx="3">
-            <a:schemeClr val="dk1"/>
-          </a:lnRef>
-          <a:fillRef idx="0">
-            <a:schemeClr val="dk1"/>
-          </a:fillRef>
-          <a:effectRef idx="2">
-            <a:schemeClr val="dk1"/>
+            <a:schemeClr val="accent6"/>
+          </a:fillRef>
+          <a:effectRef idx="1">
+            <a:schemeClr val="accent6"/>
           </a:effectRef>
           <a:fontRef idx="minor">
             <a:schemeClr val="tx1"/>
@@ -9010,36 +8615,35 @@
       </p:cxnSp>
       <p:cxnSp>
         <p:nvCxnSpPr>
-          <p:cNvPr id="34" name="직선 화살표 연결선 33"/>
+          <p:cNvPr id="27" name="직선 화살표 연결선 26"/>
           <p:cNvCxnSpPr>
-            <a:stCxn id="29" idx="1"/>
-            <a:endCxn id="27" idx="3"/>
+            <a:stCxn id="14" idx="3"/>
+            <a:endCxn id="16" idx="2"/>
           </p:cNvCxnSpPr>
           <p:nvPr/>
         </p:nvCxnSpPr>
         <p:spPr>
-          <a:xfrm flipH="1">
-            <a:off x="2866931" y="4343112"/>
-            <a:ext cx="666247" cy="0"/>
+          <a:xfrm flipV="1">
+            <a:off x="2586087" y="3919035"/>
+            <a:ext cx="2449209" cy="293648"/>
           </a:xfrm>
           <a:prstGeom prst="straightConnector1">
             <a:avLst/>
           </a:prstGeom>
-          <a:ln cmpd="dbl">
-            <a:prstDash val="sysDash"/>
-            <a:headEnd w="lg" len="lg"/>
-            <a:tailEnd type="triangle" w="lg" len="lg"/>
+          <a:ln>
+            <a:prstDash val="dash"/>
+            <a:tailEnd type="triangle"/>
           </a:ln>
         </p:spPr>
         <p:style>
-          <a:lnRef idx="3">
-            <a:schemeClr val="dk1"/>
+          <a:lnRef idx="2">
+            <a:schemeClr val="accent6"/>
           </a:lnRef>
           <a:fillRef idx="0">
-            <a:schemeClr val="dk1"/>
-          </a:fillRef>
-          <a:effectRef idx="2">
-            <a:schemeClr val="dk1"/>
+            <a:schemeClr val="accent6"/>
+          </a:fillRef>
+          <a:effectRef idx="1">
+            <a:schemeClr val="accent6"/>
           </a:effectRef>
           <a:fontRef idx="minor">
             <a:schemeClr val="tx1"/>
@@ -9048,28 +8652,60 @@
       </p:cxnSp>
       <p:sp>
         <p:nvSpPr>
-          <p:cNvPr id="42" name="직사각형 41"/>
+          <p:cNvPr id="29" name="TextBox 28"/>
+          <p:cNvSpPr txBox="1"/>
+          <p:nvPr/>
+        </p:nvSpPr>
+        <p:spPr>
+          <a:xfrm rot="20403431">
+            <a:off x="2796585" y="3472231"/>
+            <a:ext cx="1162498" cy="369332"/>
+          </a:xfrm>
+          <a:prstGeom prst="rect">
+            <a:avLst/>
+          </a:prstGeom>
+          <a:noFill/>
+        </p:spPr>
+        <p:txBody>
+          <a:bodyPr wrap="none" rtlCol="0">
+            <a:spAutoFit/>
+          </a:bodyPr>
+          <a:lstStyle/>
+          <a:p>
+            <a:r>
+              <a:rPr lang="en-US" altLang="ko-KR" dirty="0" smtClean="0"/>
+              <a:t>subscribe</a:t>
+            </a:r>
+            <a:endParaRPr lang="ko-KR" altLang="en-US" dirty="0"/>
+          </a:p>
+        </p:txBody>
+      </p:sp>
+      <p:sp>
+        <p:nvSpPr>
+          <p:cNvPr id="36" name="타원 35"/>
           <p:cNvSpPr/>
           <p:nvPr/>
         </p:nvSpPr>
         <p:spPr>
           <a:xfrm>
-            <a:off x="9182358" y="3849657"/>
-            <a:ext cx="2158343" cy="986910"/>
-          </a:xfrm>
-          <a:prstGeom prst="rect">
-            <a:avLst/>
-          </a:prstGeom>
-        </p:spPr>
-        <p:style>
-          <a:lnRef idx="0">
-            <a:schemeClr val="dk1"/>
-          </a:lnRef>
-          <a:fillRef idx="3">
-            <a:schemeClr val="dk1"/>
-          </a:fillRef>
-          <a:effectRef idx="3">
-            <a:schemeClr val="dk1"/>
+            <a:off x="7680960" y="2693026"/>
+            <a:ext cx="1463040" cy="1267968"/>
+          </a:xfrm>
+          <a:prstGeom prst="ellipse">
+            <a:avLst/>
+          </a:prstGeom>
+        </p:spPr>
+        <p:style>
+          <a:lnRef idx="2">
+            <a:schemeClr val="accent1">
+              <a:shade val="50000"/>
+            </a:schemeClr>
+          </a:lnRef>
+          <a:fillRef idx="1">
+            <a:schemeClr val="accent1"/>
+          </a:fillRef>
+          <a:effectRef idx="0">
+            <a:schemeClr val="accent1"/>
           </a:effectRef>
           <a:fontRef idx="minor">
             <a:schemeClr val="lt1"/>
@@ -9081,46 +8717,236 @@
           <a:p>
             <a:pPr algn="ctr"/>
             <a:r>
-              <a:rPr lang="en-US" altLang="ko-KR" sz="2200" b="1" dirty="0" smtClean="0"/>
-              <a:t>Subject</a:t>
-            </a:r>
-            <a:r>
-              <a:rPr lang="is-IS" altLang="ko-KR" sz="2200" b="1" dirty="0" smtClean="0"/>
-              <a:t>…</a:t>
-            </a:r>
-            <a:endParaRPr lang="en-US" altLang="ko-KR" sz="2200" b="1" dirty="0" smtClean="0"/>
+              <a:rPr lang="en-US" altLang="ko-KR" dirty="0" smtClean="0"/>
+              <a:t>Service</a:t>
+            </a:r>
+            <a:endParaRPr lang="ko-KR" altLang="en-US" dirty="0"/>
           </a:p>
         </p:txBody>
       </p:sp>
       <p:cxnSp>
         <p:nvCxnSpPr>
-          <p:cNvPr id="43" name="직선 화살표 연결선 42"/>
-          <p:cNvCxnSpPr/>
+          <p:cNvPr id="37" name="직선 화살표 연결선 36"/>
+          <p:cNvCxnSpPr>
+            <a:stCxn id="16" idx="6"/>
+            <a:endCxn id="36" idx="2"/>
+          </p:cNvCxnSpPr>
           <p:nvPr/>
         </p:nvCxnSpPr>
         <p:spPr>
-          <a:xfrm flipH="1">
-            <a:off x="8516111" y="4343112"/>
-            <a:ext cx="666247" cy="0"/>
+          <a:xfrm flipV="1">
+            <a:off x="6498336" y="3327010"/>
+            <a:ext cx="1182624" cy="592025"/>
           </a:xfrm>
           <a:prstGeom prst="straightConnector1">
             <a:avLst/>
           </a:prstGeom>
-          <a:ln cmpd="dbl">
-            <a:prstDash val="sysDash"/>
-            <a:headEnd w="lg" len="lg"/>
-            <a:tailEnd type="triangle" w="lg" len="lg"/>
+          <a:ln>
+            <a:prstDash val="dash"/>
+            <a:tailEnd type="triangle"/>
           </a:ln>
         </p:spPr>
         <p:style>
-          <a:lnRef idx="3">
-            <a:schemeClr val="dk1"/>
+          <a:lnRef idx="2">
+            <a:schemeClr val="accent6"/>
           </a:lnRef>
           <a:fillRef idx="0">
-            <a:schemeClr val="dk1"/>
-          </a:fillRef>
-          <a:effectRef idx="2">
-            <a:schemeClr val="dk1"/>
+            <a:schemeClr val="accent6"/>
+          </a:fillRef>
+          <a:effectRef idx="1">
+            <a:schemeClr val="accent6"/>
+          </a:effectRef>
+          <a:fontRef idx="minor">
+            <a:schemeClr val="tx1"/>
+          </a:fontRef>
+        </p:style>
+      </p:cxnSp>
+      <p:sp>
+        <p:nvSpPr>
+          <p:cNvPr id="38" name="TextBox 37"/>
+          <p:cNvSpPr txBox="1"/>
+          <p:nvPr/>
+        </p:nvSpPr>
+        <p:spPr>
+          <a:xfrm rot="20046106">
+            <a:off x="6440413" y="3201844"/>
+            <a:ext cx="1162498" cy="369332"/>
+          </a:xfrm>
+          <a:prstGeom prst="rect">
+            <a:avLst/>
+          </a:prstGeom>
+          <a:noFill/>
+        </p:spPr>
+        <p:txBody>
+          <a:bodyPr wrap="none" rtlCol="0">
+            <a:spAutoFit/>
+          </a:bodyPr>
+          <a:lstStyle/>
+          <a:p>
+            <a:r>
+              <a:rPr lang="en-US" altLang="ko-KR" dirty="0" smtClean="0"/>
+              <a:t>subscribe</a:t>
+            </a:r>
+            <a:endParaRPr lang="ko-KR" altLang="en-US" dirty="0"/>
+          </a:p>
+        </p:txBody>
+      </p:sp>
+      <p:cxnSp>
+        <p:nvCxnSpPr>
+          <p:cNvPr id="44" name="직선 화살표 연결선 43"/>
+          <p:cNvCxnSpPr>
+            <a:stCxn id="54" idx="3"/>
+            <a:endCxn id="17" idx="2"/>
+          </p:cNvCxnSpPr>
+          <p:nvPr/>
+        </p:nvCxnSpPr>
+        <p:spPr>
+          <a:xfrm flipV="1">
+            <a:off x="2885718" y="4998720"/>
+            <a:ext cx="1531989" cy="129773"/>
+          </a:xfrm>
+          <a:prstGeom prst="straightConnector1">
+            <a:avLst/>
+          </a:prstGeom>
+          <a:ln>
+            <a:prstDash val="dash"/>
+            <a:tailEnd type="triangle"/>
+          </a:ln>
+        </p:spPr>
+        <p:style>
+          <a:lnRef idx="2">
+            <a:schemeClr val="accent6"/>
+          </a:lnRef>
+          <a:fillRef idx="0">
+            <a:schemeClr val="accent6"/>
+          </a:fillRef>
+          <a:effectRef idx="1">
+            <a:schemeClr val="accent6"/>
+          </a:effectRef>
+          <a:fontRef idx="minor">
+            <a:schemeClr val="tx1"/>
+          </a:fontRef>
+        </p:style>
+      </p:cxnSp>
+      <p:sp>
+        <p:nvSpPr>
+          <p:cNvPr id="54" name="직사각형 53"/>
+          <p:cNvSpPr/>
+          <p:nvPr/>
+        </p:nvSpPr>
+        <p:spPr>
+          <a:xfrm>
+            <a:off x="884401" y="4796375"/>
+            <a:ext cx="2001317" cy="664235"/>
+          </a:xfrm>
+          <a:prstGeom prst="rect">
+            <a:avLst/>
+          </a:prstGeom>
+        </p:spPr>
+        <p:style>
+          <a:lnRef idx="2">
+            <a:schemeClr val="accent6">
+              <a:shade val="50000"/>
+            </a:schemeClr>
+          </a:lnRef>
+          <a:fillRef idx="1">
+            <a:schemeClr val="accent6"/>
+          </a:fillRef>
+          <a:effectRef idx="0">
+            <a:schemeClr val="accent6"/>
+          </a:effectRef>
+          <a:fontRef idx="minor">
+            <a:schemeClr val="lt1"/>
+          </a:fontRef>
+        </p:style>
+        <p:txBody>
+          <a:bodyPr rtlCol="0" anchor="ctr"/>
+          <a:lstStyle/>
+          <a:p>
+            <a:pPr algn="ctr"/>
+            <a:r>
+              <a:rPr lang="en-US" altLang="ko-KR" dirty="0" smtClean="0"/>
+              <a:t>Component</a:t>
+            </a:r>
+            <a:endParaRPr lang="ko-KR" altLang="en-US" dirty="0"/>
+          </a:p>
+        </p:txBody>
+      </p:sp>
+      <p:sp>
+        <p:nvSpPr>
+          <p:cNvPr id="57" name="타원 56"/>
+          <p:cNvSpPr/>
+          <p:nvPr/>
+        </p:nvSpPr>
+        <p:spPr>
+          <a:xfrm>
+            <a:off x="6476871" y="4287244"/>
+            <a:ext cx="1463040" cy="1267968"/>
+          </a:xfrm>
+          <a:prstGeom prst="ellipse">
+            <a:avLst/>
+          </a:prstGeom>
+        </p:spPr>
+        <p:style>
+          <a:lnRef idx="2">
+            <a:schemeClr val="accent1">
+              <a:shade val="50000"/>
+            </a:schemeClr>
+          </a:lnRef>
+          <a:fillRef idx="1">
+            <a:schemeClr val="accent1"/>
+          </a:fillRef>
+          <a:effectRef idx="0">
+            <a:schemeClr val="accent1"/>
+          </a:effectRef>
+          <a:fontRef idx="minor">
+            <a:schemeClr val="lt1"/>
+          </a:fontRef>
+        </p:style>
+        <p:txBody>
+          <a:bodyPr rtlCol="0" anchor="ctr"/>
+          <a:lstStyle/>
+          <a:p>
+            <a:pPr algn="ctr"/>
+            <a:r>
+              <a:rPr lang="en-US" altLang="ko-KR" dirty="0" smtClean="0"/>
+              <a:t>Service</a:t>
+            </a:r>
+            <a:endParaRPr lang="ko-KR" altLang="en-US" dirty="0"/>
+          </a:p>
+        </p:txBody>
+      </p:sp>
+      <p:cxnSp>
+        <p:nvCxnSpPr>
+          <p:cNvPr id="58" name="직선 화살표 연결선 57"/>
+          <p:cNvCxnSpPr>
+            <a:stCxn id="57" idx="0"/>
+            <a:endCxn id="36" idx="2"/>
+          </p:cNvCxnSpPr>
+          <p:nvPr/>
+        </p:nvCxnSpPr>
+        <p:spPr>
+          <a:xfrm flipV="1">
+            <a:off x="7208391" y="3327010"/>
+            <a:ext cx="472569" cy="960234"/>
+          </a:xfrm>
+          <a:prstGeom prst="straightConnector1">
+            <a:avLst/>
+          </a:prstGeom>
+          <a:ln>
+            <a:prstDash val="dash"/>
+            <a:tailEnd type="triangle"/>
+          </a:ln>
+        </p:spPr>
+        <p:style>
+          <a:lnRef idx="2">
+            <a:schemeClr val="accent6"/>
+          </a:lnRef>
+          <a:fillRef idx="0">
+            <a:schemeClr val="accent6"/>
+          </a:fillRef>
+          <a:effectRef idx="1">
+            <a:schemeClr val="accent6"/>
           </a:effectRef>
           <a:fontRef idx="minor">
             <a:schemeClr val="tx1"/>
@@ -9130,7 +8956,7 @@
     </p:spTree>
     <p:extLst>
       <p:ext uri="{BB962C8B-B14F-4D97-AF65-F5344CB8AC3E}">
-        <p14:creationId xmlns:p14="http://schemas.microsoft.com/office/powerpoint/2010/main" val="137657677"/>
+        <p14:creationId xmlns:p14="http://schemas.microsoft.com/office/powerpoint/2010/main" val="879529001"/>
       </p:ext>
     </p:extLst>
   </p:cSld>
@@ -9526,6 +9352,843 @@
       </p:grpSpPr>
       <p:sp>
         <p:nvSpPr>
+          <p:cNvPr id="4" name="직사각형 3"/>
+          <p:cNvSpPr/>
+          <p:nvPr/>
+        </p:nvSpPr>
+        <p:spPr>
+          <a:xfrm>
+            <a:off x="708588" y="1482377"/>
+            <a:ext cx="2158343" cy="986910"/>
+          </a:xfrm>
+          <a:prstGeom prst="rect">
+            <a:avLst/>
+          </a:prstGeom>
+        </p:spPr>
+        <p:style>
+          <a:lnRef idx="1">
+            <a:schemeClr val="accent6"/>
+          </a:lnRef>
+          <a:fillRef idx="3">
+            <a:schemeClr val="accent6"/>
+          </a:fillRef>
+          <a:effectRef idx="2">
+            <a:schemeClr val="accent6"/>
+          </a:effectRef>
+          <a:fontRef idx="minor">
+            <a:schemeClr val="lt1"/>
+          </a:fontRef>
+        </p:style>
+        <p:txBody>
+          <a:bodyPr rtlCol="0" anchor="ctr"/>
+          <a:lstStyle/>
+          <a:p>
+            <a:pPr algn="ctr"/>
+            <a:r>
+              <a:rPr lang="en-US" altLang="ko-KR" sz="2200" b="1" dirty="0" smtClean="0"/>
+              <a:t>Subject</a:t>
+            </a:r>
+            <a:endParaRPr lang="ko-KR" altLang="en-US" sz="2200" b="1" dirty="0"/>
+          </a:p>
+        </p:txBody>
+      </p:sp>
+      <p:cxnSp>
+        <p:nvCxnSpPr>
+          <p:cNvPr id="5" name="직선 화살표 연결선 4"/>
+          <p:cNvCxnSpPr>
+            <a:stCxn id="4" idx="3"/>
+            <a:endCxn id="6" idx="1"/>
+          </p:cNvCxnSpPr>
+          <p:nvPr/>
+        </p:nvCxnSpPr>
+        <p:spPr>
+          <a:xfrm flipV="1">
+            <a:off x="2866931" y="1861714"/>
+            <a:ext cx="2019526" cy="114118"/>
+          </a:xfrm>
+          <a:prstGeom prst="straightConnector1">
+            <a:avLst/>
+          </a:prstGeom>
+          <a:ln cmpd="dbl">
+            <a:prstDash val="sysDash"/>
+            <a:headEnd w="lg" len="lg"/>
+            <a:tailEnd type="triangle" w="lg" len="lg"/>
+          </a:ln>
+        </p:spPr>
+        <p:style>
+          <a:lnRef idx="3">
+            <a:schemeClr val="dk1"/>
+          </a:lnRef>
+          <a:fillRef idx="0">
+            <a:schemeClr val="dk1"/>
+          </a:fillRef>
+          <a:effectRef idx="2">
+            <a:schemeClr val="dk1"/>
+          </a:effectRef>
+          <a:fontRef idx="minor">
+            <a:schemeClr val="tx1"/>
+          </a:fontRef>
+        </p:style>
+      </p:cxnSp>
+      <p:sp>
+        <p:nvSpPr>
+          <p:cNvPr id="6" name="직사각형 5"/>
+          <p:cNvSpPr/>
+          <p:nvPr/>
+        </p:nvSpPr>
+        <p:spPr>
+          <a:xfrm>
+            <a:off x="4886457" y="1368259"/>
+            <a:ext cx="2158343" cy="986910"/>
+          </a:xfrm>
+          <a:prstGeom prst="rect">
+            <a:avLst/>
+          </a:prstGeom>
+        </p:spPr>
+        <p:style>
+          <a:lnRef idx="1">
+            <a:schemeClr val="accent4"/>
+          </a:lnRef>
+          <a:fillRef idx="3">
+            <a:schemeClr val="accent4"/>
+          </a:fillRef>
+          <a:effectRef idx="2">
+            <a:schemeClr val="accent4"/>
+          </a:effectRef>
+          <a:fontRef idx="minor">
+            <a:schemeClr val="lt1"/>
+          </a:fontRef>
+        </p:style>
+        <p:txBody>
+          <a:bodyPr rtlCol="0" anchor="ctr"/>
+          <a:lstStyle/>
+          <a:p>
+            <a:pPr algn="ctr"/>
+            <a:r>
+              <a:rPr lang="ko-KR" altLang="en-US" sz="2200" b="1" dirty="0" smtClean="0"/>
+              <a:t>분기문</a:t>
+            </a:r>
+            <a:endParaRPr lang="en-US" altLang="ko-KR" sz="2200" b="1" dirty="0" smtClean="0"/>
+          </a:p>
+        </p:txBody>
+      </p:sp>
+      <p:sp>
+        <p:nvSpPr>
+          <p:cNvPr id="8" name="타원 7"/>
+          <p:cNvSpPr/>
+          <p:nvPr/>
+        </p:nvSpPr>
+        <p:spPr>
+          <a:xfrm>
+            <a:off x="9203143" y="1009762"/>
+            <a:ext cx="2158343" cy="986910"/>
+          </a:xfrm>
+          <a:prstGeom prst="ellipse">
+            <a:avLst/>
+          </a:prstGeom>
+        </p:spPr>
+        <p:style>
+          <a:lnRef idx="1">
+            <a:schemeClr val="accent1"/>
+          </a:lnRef>
+          <a:fillRef idx="3">
+            <a:schemeClr val="accent1"/>
+          </a:fillRef>
+          <a:effectRef idx="2">
+            <a:schemeClr val="accent1"/>
+          </a:effectRef>
+          <a:fontRef idx="minor">
+            <a:schemeClr val="lt1"/>
+          </a:fontRef>
+        </p:style>
+        <p:txBody>
+          <a:bodyPr rtlCol="0" anchor="ctr"/>
+          <a:lstStyle/>
+          <a:p>
+            <a:pPr algn="ctr"/>
+            <a:r>
+              <a:rPr lang="en-US" altLang="ko-KR" sz="2200" b="1" dirty="0" smtClean="0"/>
+              <a:t>Observer</a:t>
+            </a:r>
+            <a:endParaRPr lang="ko-KR" altLang="en-US" sz="2200" b="1" dirty="0"/>
+          </a:p>
+        </p:txBody>
+      </p:sp>
+      <p:cxnSp>
+        <p:nvCxnSpPr>
+          <p:cNvPr id="13" name="직선 화살표 연결선 12"/>
+          <p:cNvCxnSpPr/>
+          <p:nvPr/>
+        </p:nvCxnSpPr>
+        <p:spPr>
+          <a:xfrm>
+            <a:off x="7044800" y="1503217"/>
+            <a:ext cx="2004447" cy="0"/>
+          </a:xfrm>
+          <a:prstGeom prst="straightConnector1">
+            <a:avLst/>
+          </a:prstGeom>
+          <a:ln cmpd="dbl">
+            <a:prstDash val="sysDash"/>
+            <a:headEnd w="lg" len="lg"/>
+            <a:tailEnd type="triangle" w="lg" len="lg"/>
+          </a:ln>
+        </p:spPr>
+        <p:style>
+          <a:lnRef idx="3">
+            <a:schemeClr val="dk1"/>
+          </a:lnRef>
+          <a:fillRef idx="0">
+            <a:schemeClr val="dk1"/>
+          </a:fillRef>
+          <a:effectRef idx="2">
+            <a:schemeClr val="dk1"/>
+          </a:effectRef>
+          <a:fontRef idx="minor">
+            <a:schemeClr val="tx1"/>
+          </a:fontRef>
+        </p:style>
+      </p:cxnSp>
+      <p:sp>
+        <p:nvSpPr>
+          <p:cNvPr id="15" name="직사각형 14"/>
+          <p:cNvSpPr/>
+          <p:nvPr/>
+        </p:nvSpPr>
+        <p:spPr>
+          <a:xfrm>
+            <a:off x="5130297" y="1645713"/>
+            <a:ext cx="2158343" cy="986910"/>
+          </a:xfrm>
+          <a:prstGeom prst="rect">
+            <a:avLst/>
+          </a:prstGeom>
+        </p:spPr>
+        <p:style>
+          <a:lnRef idx="1">
+            <a:schemeClr val="accent4"/>
+          </a:lnRef>
+          <a:fillRef idx="3">
+            <a:schemeClr val="accent4"/>
+          </a:fillRef>
+          <a:effectRef idx="2">
+            <a:schemeClr val="accent4"/>
+          </a:effectRef>
+          <a:fontRef idx="minor">
+            <a:schemeClr val="lt1"/>
+          </a:fontRef>
+        </p:style>
+        <p:txBody>
+          <a:bodyPr rtlCol="0" anchor="ctr"/>
+          <a:lstStyle/>
+          <a:p>
+            <a:pPr algn="ctr"/>
+            <a:r>
+              <a:rPr lang="ko-KR" altLang="en-US" sz="2200" b="1" dirty="0" smtClean="0"/>
+              <a:t>분기문</a:t>
+            </a:r>
+            <a:endParaRPr lang="en-US" altLang="ko-KR" sz="2200" b="1" dirty="0" smtClean="0"/>
+          </a:p>
+        </p:txBody>
+      </p:sp>
+      <p:sp>
+        <p:nvSpPr>
+          <p:cNvPr id="17" name="타원 16"/>
+          <p:cNvSpPr/>
+          <p:nvPr/>
+        </p:nvSpPr>
+        <p:spPr>
+          <a:xfrm>
+            <a:off x="9413190" y="1469821"/>
+            <a:ext cx="2158343" cy="986910"/>
+          </a:xfrm>
+          <a:prstGeom prst="ellipse">
+            <a:avLst/>
+          </a:prstGeom>
+        </p:spPr>
+        <p:style>
+          <a:lnRef idx="1">
+            <a:schemeClr val="accent1"/>
+          </a:lnRef>
+          <a:fillRef idx="3">
+            <a:schemeClr val="accent1"/>
+          </a:fillRef>
+          <a:effectRef idx="2">
+            <a:schemeClr val="accent1"/>
+          </a:effectRef>
+          <a:fontRef idx="minor">
+            <a:schemeClr val="lt1"/>
+          </a:fontRef>
+        </p:style>
+        <p:txBody>
+          <a:bodyPr rtlCol="0" anchor="ctr"/>
+          <a:lstStyle/>
+          <a:p>
+            <a:pPr algn="ctr"/>
+            <a:r>
+              <a:rPr lang="en-US" altLang="ko-KR" sz="2200" b="1" dirty="0" smtClean="0"/>
+              <a:t>Observer</a:t>
+            </a:r>
+            <a:endParaRPr lang="ko-KR" altLang="en-US" sz="2200" b="1" dirty="0"/>
+          </a:p>
+        </p:txBody>
+      </p:sp>
+      <p:cxnSp>
+        <p:nvCxnSpPr>
+          <p:cNvPr id="18" name="직선 화살표 연결선 17"/>
+          <p:cNvCxnSpPr/>
+          <p:nvPr/>
+        </p:nvCxnSpPr>
+        <p:spPr>
+          <a:xfrm>
+            <a:off x="7288640" y="2002240"/>
+            <a:ext cx="2004447" cy="0"/>
+          </a:xfrm>
+          <a:prstGeom prst="straightConnector1">
+            <a:avLst/>
+          </a:prstGeom>
+          <a:ln cmpd="dbl">
+            <a:prstDash val="sysDash"/>
+            <a:headEnd w="lg" len="lg"/>
+            <a:tailEnd type="triangle" w="lg" len="lg"/>
+          </a:ln>
+        </p:spPr>
+        <p:style>
+          <a:lnRef idx="3">
+            <a:schemeClr val="dk1"/>
+          </a:lnRef>
+          <a:fillRef idx="0">
+            <a:schemeClr val="dk1"/>
+          </a:fillRef>
+          <a:effectRef idx="2">
+            <a:schemeClr val="dk1"/>
+          </a:effectRef>
+          <a:fontRef idx="minor">
+            <a:schemeClr val="tx1"/>
+          </a:fontRef>
+        </p:style>
+      </p:cxnSp>
+      <p:sp>
+        <p:nvSpPr>
+          <p:cNvPr id="16" name="직사각형 15"/>
+          <p:cNvSpPr/>
+          <p:nvPr/>
+        </p:nvSpPr>
+        <p:spPr>
+          <a:xfrm>
+            <a:off x="5374137" y="1917324"/>
+            <a:ext cx="2158343" cy="986910"/>
+          </a:xfrm>
+          <a:prstGeom prst="rect">
+            <a:avLst/>
+          </a:prstGeom>
+        </p:spPr>
+        <p:style>
+          <a:lnRef idx="1">
+            <a:schemeClr val="accent4"/>
+          </a:lnRef>
+          <a:fillRef idx="3">
+            <a:schemeClr val="accent4"/>
+          </a:fillRef>
+          <a:effectRef idx="2">
+            <a:schemeClr val="accent4"/>
+          </a:effectRef>
+          <a:fontRef idx="minor">
+            <a:schemeClr val="lt1"/>
+          </a:fontRef>
+        </p:style>
+        <p:txBody>
+          <a:bodyPr rtlCol="0" anchor="ctr"/>
+          <a:lstStyle/>
+          <a:p>
+            <a:pPr algn="ctr"/>
+            <a:r>
+              <a:rPr lang="ko-KR" altLang="en-US" sz="2200" b="1" dirty="0" smtClean="0"/>
+              <a:t>데이터 변형</a:t>
+            </a:r>
+            <a:endParaRPr lang="en-US" altLang="ko-KR" sz="2200" b="1" dirty="0" smtClean="0"/>
+          </a:p>
+        </p:txBody>
+      </p:sp>
+      <p:cxnSp>
+        <p:nvCxnSpPr>
+          <p:cNvPr id="19" name="직선 화살표 연결선 18"/>
+          <p:cNvCxnSpPr/>
+          <p:nvPr/>
+        </p:nvCxnSpPr>
+        <p:spPr>
+          <a:xfrm>
+            <a:off x="7532480" y="2410779"/>
+            <a:ext cx="2004447" cy="0"/>
+          </a:xfrm>
+          <a:prstGeom prst="straightConnector1">
+            <a:avLst/>
+          </a:prstGeom>
+          <a:ln cmpd="dbl">
+            <a:prstDash val="sysDash"/>
+            <a:headEnd w="lg" len="lg"/>
+            <a:tailEnd type="triangle" w="lg" len="lg"/>
+          </a:ln>
+        </p:spPr>
+        <p:style>
+          <a:lnRef idx="3">
+            <a:schemeClr val="dk1"/>
+          </a:lnRef>
+          <a:fillRef idx="0">
+            <a:schemeClr val="dk1"/>
+          </a:fillRef>
+          <a:effectRef idx="2">
+            <a:schemeClr val="dk1"/>
+          </a:effectRef>
+          <a:fontRef idx="minor">
+            <a:schemeClr val="tx1"/>
+          </a:fontRef>
+        </p:style>
+      </p:cxnSp>
+      <p:sp>
+        <p:nvSpPr>
+          <p:cNvPr id="20" name="타원 19"/>
+          <p:cNvSpPr/>
+          <p:nvPr/>
+        </p:nvSpPr>
+        <p:spPr>
+          <a:xfrm>
+            <a:off x="9657030" y="1963276"/>
+            <a:ext cx="2158343" cy="986910"/>
+          </a:xfrm>
+          <a:prstGeom prst="ellipse">
+            <a:avLst/>
+          </a:prstGeom>
+        </p:spPr>
+        <p:style>
+          <a:lnRef idx="1">
+            <a:schemeClr val="accent1"/>
+          </a:lnRef>
+          <a:fillRef idx="3">
+            <a:schemeClr val="accent1"/>
+          </a:fillRef>
+          <a:effectRef idx="2">
+            <a:schemeClr val="accent1"/>
+          </a:effectRef>
+          <a:fontRef idx="minor">
+            <a:schemeClr val="lt1"/>
+          </a:fontRef>
+        </p:style>
+        <p:txBody>
+          <a:bodyPr rtlCol="0" anchor="ctr"/>
+          <a:lstStyle/>
+          <a:p>
+            <a:pPr algn="ctr"/>
+            <a:r>
+              <a:rPr lang="en-US" altLang="ko-KR" sz="2200" b="1" dirty="0" smtClean="0"/>
+              <a:t>Observer</a:t>
+            </a:r>
+            <a:endParaRPr lang="ko-KR" altLang="en-US" sz="2200" b="1" dirty="0"/>
+          </a:p>
+        </p:txBody>
+      </p:sp>
+      <p:cxnSp>
+        <p:nvCxnSpPr>
+          <p:cNvPr id="21" name="직선 화살표 연결선 20"/>
+          <p:cNvCxnSpPr>
+            <a:stCxn id="4" idx="3"/>
+            <a:endCxn id="15" idx="1"/>
+          </p:cNvCxnSpPr>
+          <p:nvPr/>
+        </p:nvCxnSpPr>
+        <p:spPr>
+          <a:xfrm>
+            <a:off x="2866931" y="1975832"/>
+            <a:ext cx="2263366" cy="163336"/>
+          </a:xfrm>
+          <a:prstGeom prst="straightConnector1">
+            <a:avLst/>
+          </a:prstGeom>
+          <a:ln cmpd="dbl">
+            <a:prstDash val="sysDash"/>
+            <a:headEnd w="lg" len="lg"/>
+            <a:tailEnd type="triangle" w="lg" len="lg"/>
+          </a:ln>
+        </p:spPr>
+        <p:style>
+          <a:lnRef idx="3">
+            <a:schemeClr val="dk1"/>
+          </a:lnRef>
+          <a:fillRef idx="0">
+            <a:schemeClr val="dk1"/>
+          </a:fillRef>
+          <a:effectRef idx="2">
+            <a:schemeClr val="dk1"/>
+          </a:effectRef>
+          <a:fontRef idx="minor">
+            <a:schemeClr val="tx1"/>
+          </a:fontRef>
+        </p:style>
+      </p:cxnSp>
+      <p:cxnSp>
+        <p:nvCxnSpPr>
+          <p:cNvPr id="24" name="직선 화살표 연결선 23"/>
+          <p:cNvCxnSpPr>
+            <a:stCxn id="4" idx="3"/>
+            <a:endCxn id="16" idx="1"/>
+          </p:cNvCxnSpPr>
+          <p:nvPr/>
+        </p:nvCxnSpPr>
+        <p:spPr>
+          <a:xfrm>
+            <a:off x="2866931" y="1975832"/>
+            <a:ext cx="2507206" cy="434947"/>
+          </a:xfrm>
+          <a:prstGeom prst="straightConnector1">
+            <a:avLst/>
+          </a:prstGeom>
+          <a:ln cmpd="dbl">
+            <a:prstDash val="sysDash"/>
+            <a:headEnd w="lg" len="lg"/>
+            <a:tailEnd type="triangle" w="lg" len="lg"/>
+          </a:ln>
+        </p:spPr>
+        <p:style>
+          <a:lnRef idx="3">
+            <a:schemeClr val="dk1"/>
+          </a:lnRef>
+          <a:fillRef idx="0">
+            <a:schemeClr val="dk1"/>
+          </a:fillRef>
+          <a:effectRef idx="2">
+            <a:schemeClr val="dk1"/>
+          </a:effectRef>
+          <a:fontRef idx="minor">
+            <a:schemeClr val="tx1"/>
+          </a:fontRef>
+        </p:style>
+      </p:cxnSp>
+      <p:sp>
+        <p:nvSpPr>
+          <p:cNvPr id="27" name="직사각형 26"/>
+          <p:cNvSpPr/>
+          <p:nvPr/>
+        </p:nvSpPr>
+        <p:spPr>
+          <a:xfrm>
+            <a:off x="708588" y="3849657"/>
+            <a:ext cx="2158343" cy="986910"/>
+          </a:xfrm>
+          <a:prstGeom prst="rect">
+            <a:avLst/>
+          </a:prstGeom>
+        </p:spPr>
+        <p:style>
+          <a:lnRef idx="1">
+            <a:schemeClr val="accent6"/>
+          </a:lnRef>
+          <a:fillRef idx="3">
+            <a:schemeClr val="accent6"/>
+          </a:fillRef>
+          <a:effectRef idx="2">
+            <a:schemeClr val="accent6"/>
+          </a:effectRef>
+          <a:fontRef idx="minor">
+            <a:schemeClr val="lt1"/>
+          </a:fontRef>
+        </p:style>
+        <p:txBody>
+          <a:bodyPr rtlCol="0" anchor="ctr"/>
+          <a:lstStyle/>
+          <a:p>
+            <a:pPr algn="ctr"/>
+            <a:r>
+              <a:rPr lang="en-US" altLang="ko-KR" sz="2200" b="1" dirty="0" smtClean="0"/>
+              <a:t>Subject1</a:t>
+            </a:r>
+            <a:endParaRPr lang="ko-KR" altLang="en-US" sz="2200" b="1" dirty="0"/>
+          </a:p>
+        </p:txBody>
+      </p:sp>
+      <p:sp>
+        <p:nvSpPr>
+          <p:cNvPr id="29" name="직사각형 28"/>
+          <p:cNvSpPr/>
+          <p:nvPr/>
+        </p:nvSpPr>
+        <p:spPr>
+          <a:xfrm>
+            <a:off x="3533178" y="3849657"/>
+            <a:ext cx="2158343" cy="986910"/>
+          </a:xfrm>
+          <a:prstGeom prst="rect">
+            <a:avLst/>
+          </a:prstGeom>
+        </p:spPr>
+        <p:style>
+          <a:lnRef idx="1">
+            <a:schemeClr val="accent4"/>
+          </a:lnRef>
+          <a:fillRef idx="3">
+            <a:schemeClr val="accent4"/>
+          </a:fillRef>
+          <a:effectRef idx="2">
+            <a:schemeClr val="accent4"/>
+          </a:effectRef>
+          <a:fontRef idx="minor">
+            <a:schemeClr val="lt1"/>
+          </a:fontRef>
+        </p:style>
+        <p:txBody>
+          <a:bodyPr rtlCol="0" anchor="ctr"/>
+          <a:lstStyle/>
+          <a:p>
+            <a:pPr algn="ctr"/>
+            <a:r>
+              <a:rPr lang="en-US" altLang="ko-KR" sz="2200" b="1" smtClean="0"/>
+              <a:t>Subject2</a:t>
+            </a:r>
+            <a:endParaRPr lang="en-US" altLang="ko-KR" sz="2200" b="1" dirty="0" smtClean="0"/>
+          </a:p>
+        </p:txBody>
+      </p:sp>
+      <p:sp>
+        <p:nvSpPr>
+          <p:cNvPr id="30" name="직사각형 29"/>
+          <p:cNvSpPr/>
+          <p:nvPr/>
+        </p:nvSpPr>
+        <p:spPr>
+          <a:xfrm>
+            <a:off x="6357768" y="3849657"/>
+            <a:ext cx="2158343" cy="986910"/>
+          </a:xfrm>
+          <a:prstGeom prst="rect">
+            <a:avLst/>
+          </a:prstGeom>
+        </p:spPr>
+        <p:style>
+          <a:lnRef idx="0">
+            <a:schemeClr val="accent5"/>
+          </a:lnRef>
+          <a:fillRef idx="3">
+            <a:schemeClr val="accent5"/>
+          </a:fillRef>
+          <a:effectRef idx="3">
+            <a:schemeClr val="accent5"/>
+          </a:effectRef>
+          <a:fontRef idx="minor">
+            <a:schemeClr val="lt1"/>
+          </a:fontRef>
+        </p:style>
+        <p:txBody>
+          <a:bodyPr rtlCol="0" anchor="ctr"/>
+          <a:lstStyle/>
+          <a:p>
+            <a:pPr algn="ctr"/>
+            <a:r>
+              <a:rPr lang="en-US" altLang="ko-KR" sz="2200" b="1" dirty="0" smtClean="0"/>
+              <a:t>Subject</a:t>
+            </a:r>
+            <a:r>
+              <a:rPr lang="is-IS" altLang="ko-KR" sz="2200" b="1" dirty="0" smtClean="0"/>
+              <a:t>3</a:t>
+            </a:r>
+            <a:endParaRPr lang="en-US" altLang="ko-KR" sz="2200" b="1" dirty="0" smtClean="0"/>
+          </a:p>
+        </p:txBody>
+      </p:sp>
+      <p:cxnSp>
+        <p:nvCxnSpPr>
+          <p:cNvPr id="31" name="직선 화살표 연결선 30"/>
+          <p:cNvCxnSpPr>
+            <a:stCxn id="30" idx="1"/>
+            <a:endCxn id="29" idx="3"/>
+          </p:cNvCxnSpPr>
+          <p:nvPr/>
+        </p:nvCxnSpPr>
+        <p:spPr>
+          <a:xfrm flipH="1">
+            <a:off x="5691521" y="4343112"/>
+            <a:ext cx="666247" cy="0"/>
+          </a:xfrm>
+          <a:prstGeom prst="straightConnector1">
+            <a:avLst/>
+          </a:prstGeom>
+          <a:ln cmpd="dbl">
+            <a:prstDash val="sysDash"/>
+            <a:headEnd w="lg" len="lg"/>
+            <a:tailEnd type="triangle" w="lg" len="lg"/>
+          </a:ln>
+        </p:spPr>
+        <p:style>
+          <a:lnRef idx="3">
+            <a:schemeClr val="dk1"/>
+          </a:lnRef>
+          <a:fillRef idx="0">
+            <a:schemeClr val="dk1"/>
+          </a:fillRef>
+          <a:effectRef idx="2">
+            <a:schemeClr val="dk1"/>
+          </a:effectRef>
+          <a:fontRef idx="minor">
+            <a:schemeClr val="tx1"/>
+          </a:fontRef>
+        </p:style>
+      </p:cxnSp>
+      <p:cxnSp>
+        <p:nvCxnSpPr>
+          <p:cNvPr id="34" name="직선 화살표 연결선 33"/>
+          <p:cNvCxnSpPr>
+            <a:stCxn id="29" idx="1"/>
+            <a:endCxn id="27" idx="3"/>
+          </p:cNvCxnSpPr>
+          <p:nvPr/>
+        </p:nvCxnSpPr>
+        <p:spPr>
+          <a:xfrm flipH="1">
+            <a:off x="2866931" y="4343112"/>
+            <a:ext cx="666247" cy="0"/>
+          </a:xfrm>
+          <a:prstGeom prst="straightConnector1">
+            <a:avLst/>
+          </a:prstGeom>
+          <a:ln cmpd="dbl">
+            <a:prstDash val="sysDash"/>
+            <a:headEnd w="lg" len="lg"/>
+            <a:tailEnd type="triangle" w="lg" len="lg"/>
+          </a:ln>
+        </p:spPr>
+        <p:style>
+          <a:lnRef idx="3">
+            <a:schemeClr val="dk1"/>
+          </a:lnRef>
+          <a:fillRef idx="0">
+            <a:schemeClr val="dk1"/>
+          </a:fillRef>
+          <a:effectRef idx="2">
+            <a:schemeClr val="dk1"/>
+          </a:effectRef>
+          <a:fontRef idx="minor">
+            <a:schemeClr val="tx1"/>
+          </a:fontRef>
+        </p:style>
+      </p:cxnSp>
+      <p:sp>
+        <p:nvSpPr>
+          <p:cNvPr id="42" name="직사각형 41"/>
+          <p:cNvSpPr/>
+          <p:nvPr/>
+        </p:nvSpPr>
+        <p:spPr>
+          <a:xfrm>
+            <a:off x="9182358" y="3849657"/>
+            <a:ext cx="2158343" cy="986910"/>
+          </a:xfrm>
+          <a:prstGeom prst="rect">
+            <a:avLst/>
+          </a:prstGeom>
+        </p:spPr>
+        <p:style>
+          <a:lnRef idx="0">
+            <a:schemeClr val="dk1"/>
+          </a:lnRef>
+          <a:fillRef idx="3">
+            <a:schemeClr val="dk1"/>
+          </a:fillRef>
+          <a:effectRef idx="3">
+            <a:schemeClr val="dk1"/>
+          </a:effectRef>
+          <a:fontRef idx="minor">
+            <a:schemeClr val="lt1"/>
+          </a:fontRef>
+        </p:style>
+        <p:txBody>
+          <a:bodyPr rtlCol="0" anchor="ctr"/>
+          <a:lstStyle/>
+          <a:p>
+            <a:pPr algn="ctr"/>
+            <a:r>
+              <a:rPr lang="en-US" altLang="ko-KR" sz="2200" b="1" dirty="0" smtClean="0"/>
+              <a:t>Subject</a:t>
+            </a:r>
+            <a:r>
+              <a:rPr lang="is-IS" altLang="ko-KR" sz="2200" b="1" dirty="0" smtClean="0"/>
+              <a:t>…</a:t>
+            </a:r>
+            <a:endParaRPr lang="en-US" altLang="ko-KR" sz="2200" b="1" dirty="0" smtClean="0"/>
+          </a:p>
+        </p:txBody>
+      </p:sp>
+      <p:cxnSp>
+        <p:nvCxnSpPr>
+          <p:cNvPr id="43" name="직선 화살표 연결선 42"/>
+          <p:cNvCxnSpPr/>
+          <p:nvPr/>
+        </p:nvCxnSpPr>
+        <p:spPr>
+          <a:xfrm flipH="1">
+            <a:off x="8516111" y="4343112"/>
+            <a:ext cx="666247" cy="0"/>
+          </a:xfrm>
+          <a:prstGeom prst="straightConnector1">
+            <a:avLst/>
+          </a:prstGeom>
+          <a:ln cmpd="dbl">
+            <a:prstDash val="sysDash"/>
+            <a:headEnd w="lg" len="lg"/>
+            <a:tailEnd type="triangle" w="lg" len="lg"/>
+          </a:ln>
+        </p:spPr>
+        <p:style>
+          <a:lnRef idx="3">
+            <a:schemeClr val="dk1"/>
+          </a:lnRef>
+          <a:fillRef idx="0">
+            <a:schemeClr val="dk1"/>
+          </a:fillRef>
+          <a:effectRef idx="2">
+            <a:schemeClr val="dk1"/>
+          </a:effectRef>
+          <a:fontRef idx="minor">
+            <a:schemeClr val="tx1"/>
+          </a:fontRef>
+        </p:style>
+      </p:cxnSp>
+    </p:spTree>
+    <p:extLst>
+      <p:ext uri="{BB962C8B-B14F-4D97-AF65-F5344CB8AC3E}">
+        <p14:creationId xmlns:p14="http://schemas.microsoft.com/office/powerpoint/2010/main" val="137657677"/>
+      </p:ext>
+    </p:extLst>
+  </p:cSld>
+  <p:clrMapOvr>
+    <a:masterClrMapping/>
+  </p:clrMapOvr>
+  <p:timing>
+    <p:tnLst>
+      <p:par>
+        <p:cTn id="1" dur="indefinite" restart="never" nodeType="tmRoot"/>
+      </p:par>
+    </p:tnLst>
+  </p:timing>
+</p:sld>
+</file>
+
+<file path=ppt/slides/slide21.xml><?xml version="1.0" encoding="utf-8"?>
+<p:sld xmlns:a="http://schemas.openxmlformats.org/drawingml/2006/main" xmlns:r="http://schemas.openxmlformats.org/officeDocument/2006/relationships" xmlns:p="http://schemas.openxmlformats.org/presentationml/2006/main">
+  <p:cSld>
+    <p:spTree>
+      <p:nvGrpSpPr>
+        <p:cNvPr id="1" name=""/>
+        <p:cNvGrpSpPr/>
+        <p:nvPr/>
+      </p:nvGrpSpPr>
+      <p:grpSpPr>
+        <a:xfrm>
+          <a:off x="0" y="0"/>
+          <a:ext cx="0" cy="0"/>
+          <a:chOff x="0" y="0"/>
+          <a:chExt cx="0" cy="0"/>
+        </a:xfrm>
+      </p:grpSpPr>
+      <p:sp>
+        <p:nvSpPr>
           <p:cNvPr id="8" name="타원 7"/>
           <p:cNvSpPr/>
           <p:nvPr/>
@@ -10415,7 +11078,7 @@
 </p:sld>
 </file>
 
-<file path=ppt/slides/slide21.xml><?xml version="1.0" encoding="utf-8"?>
+<file path=ppt/slides/slide22.xml><?xml version="1.0" encoding="utf-8"?>
 <p:sld xmlns:a="http://schemas.openxmlformats.org/drawingml/2006/main" xmlns:r="http://schemas.openxmlformats.org/officeDocument/2006/relationships" xmlns:p="http://schemas.openxmlformats.org/presentationml/2006/main">
   <p:cSld>
     <p:spTree>
